--- a/XMonkeys360/gRPC_Session4_12Jun2020/Documentation/gRPC_Service_Logging_ErrorHandling.pptx
+++ b/XMonkeys360/gRPC_Session4_12Jun2020/Documentation/gRPC_Service_Logging_ErrorHandling.pptx
@@ -5,7 +5,7 @@
     <p:sldMasterId id="2147483648" r:id="rId1"/>
   </p:sldMasterIdLst>
   <p:notesMasterIdLst>
-    <p:notesMasterId r:id="rId17"/>
+    <p:notesMasterId r:id="rId15"/>
   </p:notesMasterIdLst>
   <p:sldIdLst>
     <p:sldId id="256" r:id="rId2"/>
@@ -13,16 +13,14 @@
     <p:sldId id="290" r:id="rId4"/>
     <p:sldId id="260" r:id="rId5"/>
     <p:sldId id="296" r:id="rId6"/>
-    <p:sldId id="299" r:id="rId7"/>
-    <p:sldId id="300" r:id="rId8"/>
-    <p:sldId id="307" r:id="rId9"/>
-    <p:sldId id="308" r:id="rId10"/>
-    <p:sldId id="309" r:id="rId11"/>
-    <p:sldId id="311" r:id="rId12"/>
-    <p:sldId id="310" r:id="rId13"/>
-    <p:sldId id="259" r:id="rId14"/>
-    <p:sldId id="292" r:id="rId15"/>
-    <p:sldId id="258" r:id="rId16"/>
+    <p:sldId id="309" r:id="rId7"/>
+    <p:sldId id="311" r:id="rId8"/>
+    <p:sldId id="299" r:id="rId9"/>
+    <p:sldId id="300" r:id="rId10"/>
+    <p:sldId id="312" r:id="rId11"/>
+    <p:sldId id="259" r:id="rId12"/>
+    <p:sldId id="292" r:id="rId13"/>
+    <p:sldId id="258" r:id="rId14"/>
   </p:sldIdLst>
   <p:sldSz cx="12192000" cy="6858000"/>
   <p:notesSz cx="6858000" cy="9144000"/>
@@ -223,7 +221,7 @@
           <a:p>
             <a:fld id="{289D7669-2C4F-4057-B198-13E596C98571}" type="datetimeFigureOut">
               <a:rPr lang="en-IN" smtClean="0"/>
-              <a:t>06-06-2020</a:t>
+              <a:t>13-06-2020</a:t>
             </a:fld>
             <a:endParaRPr lang="en-IN"/>
           </a:p>
@@ -640,7 +638,7 @@
           <a:p>
             <a:fld id="{AAAFDAC1-E73E-4D41-B9D9-D9AB5226AECC}" type="datetimeFigureOut">
               <a:rPr lang="en-IN" smtClean="0"/>
-              <a:t>06-06-2020</a:t>
+              <a:t>13-06-2020</a:t>
             </a:fld>
             <a:endParaRPr lang="en-IN"/>
           </a:p>
@@ -840,7 +838,7 @@
           <a:p>
             <a:fld id="{AAAFDAC1-E73E-4D41-B9D9-D9AB5226AECC}" type="datetimeFigureOut">
               <a:rPr lang="en-IN" smtClean="0"/>
-              <a:t>06-06-2020</a:t>
+              <a:t>13-06-2020</a:t>
             </a:fld>
             <a:endParaRPr lang="en-IN"/>
           </a:p>
@@ -1050,7 +1048,7 @@
           <a:p>
             <a:fld id="{AAAFDAC1-E73E-4D41-B9D9-D9AB5226AECC}" type="datetimeFigureOut">
               <a:rPr lang="en-IN" smtClean="0"/>
-              <a:t>06-06-2020</a:t>
+              <a:t>13-06-2020</a:t>
             </a:fld>
             <a:endParaRPr lang="en-IN"/>
           </a:p>
@@ -1250,7 +1248,7 @@
           <a:p>
             <a:fld id="{AAAFDAC1-E73E-4D41-B9D9-D9AB5226AECC}" type="datetimeFigureOut">
               <a:rPr lang="en-IN" smtClean="0"/>
-              <a:t>06-06-2020</a:t>
+              <a:t>13-06-2020</a:t>
             </a:fld>
             <a:endParaRPr lang="en-IN"/>
           </a:p>
@@ -1526,7 +1524,7 @@
           <a:p>
             <a:fld id="{AAAFDAC1-E73E-4D41-B9D9-D9AB5226AECC}" type="datetimeFigureOut">
               <a:rPr lang="en-IN" smtClean="0"/>
-              <a:t>06-06-2020</a:t>
+              <a:t>13-06-2020</a:t>
             </a:fld>
             <a:endParaRPr lang="en-IN"/>
           </a:p>
@@ -1794,7 +1792,7 @@
           <a:p>
             <a:fld id="{AAAFDAC1-E73E-4D41-B9D9-D9AB5226AECC}" type="datetimeFigureOut">
               <a:rPr lang="en-IN" smtClean="0"/>
-              <a:t>06-06-2020</a:t>
+              <a:t>13-06-2020</a:t>
             </a:fld>
             <a:endParaRPr lang="en-IN"/>
           </a:p>
@@ -2209,7 +2207,7 @@
           <a:p>
             <a:fld id="{AAAFDAC1-E73E-4D41-B9D9-D9AB5226AECC}" type="datetimeFigureOut">
               <a:rPr lang="en-IN" smtClean="0"/>
-              <a:t>06-06-2020</a:t>
+              <a:t>13-06-2020</a:t>
             </a:fld>
             <a:endParaRPr lang="en-IN"/>
           </a:p>
@@ -2351,7 +2349,7 @@
           <a:p>
             <a:fld id="{AAAFDAC1-E73E-4D41-B9D9-D9AB5226AECC}" type="datetimeFigureOut">
               <a:rPr lang="en-IN" smtClean="0"/>
-              <a:t>06-06-2020</a:t>
+              <a:t>13-06-2020</a:t>
             </a:fld>
             <a:endParaRPr lang="en-IN"/>
           </a:p>
@@ -2464,7 +2462,7 @@
           <a:p>
             <a:fld id="{AAAFDAC1-E73E-4D41-B9D9-D9AB5226AECC}" type="datetimeFigureOut">
               <a:rPr lang="en-IN" smtClean="0"/>
-              <a:t>06-06-2020</a:t>
+              <a:t>13-06-2020</a:t>
             </a:fld>
             <a:endParaRPr lang="en-IN"/>
           </a:p>
@@ -2777,7 +2775,7 @@
           <a:p>
             <a:fld id="{AAAFDAC1-E73E-4D41-B9D9-D9AB5226AECC}" type="datetimeFigureOut">
               <a:rPr lang="en-IN" smtClean="0"/>
-              <a:t>06-06-2020</a:t>
+              <a:t>13-06-2020</a:t>
             </a:fld>
             <a:endParaRPr lang="en-IN"/>
           </a:p>
@@ -3066,7 +3064,7 @@
           <a:p>
             <a:fld id="{AAAFDAC1-E73E-4D41-B9D9-D9AB5226AECC}" type="datetimeFigureOut">
               <a:rPr lang="en-IN" smtClean="0"/>
-              <a:t>06-06-2020</a:t>
+              <a:t>13-06-2020</a:t>
             </a:fld>
             <a:endParaRPr lang="en-IN"/>
           </a:p>
@@ -3309,7 +3307,7 @@
           <a:p>
             <a:fld id="{AAAFDAC1-E73E-4D41-B9D9-D9AB5226AECC}" type="datetimeFigureOut">
               <a:rPr lang="en-IN" smtClean="0"/>
-              <a:t>06-06-2020</a:t>
+              <a:t>13-06-2020</a:t>
             </a:fld>
             <a:endParaRPr lang="en-IN"/>
           </a:p>
@@ -3776,7 +3774,7 @@
                 <a:latin typeface="Verdana" panose="020B0604030504040204" pitchFamily="34" charset="0"/>
                 <a:ea typeface="Verdana" panose="020B0604030504040204" pitchFamily="34" charset="0"/>
               </a:rPr>
-              <a:t>Session 3 of 10</a:t>
+              <a:t>Session 4 of 10</a:t>
             </a:r>
             <a:endParaRPr lang="en-IN" dirty="0">
               <a:latin typeface="Verdana" panose="020B0604030504040204" pitchFamily="34" charset="0"/>
@@ -3871,7 +3869,7 @@
                 <a:latin typeface="Verdana" panose="020B0604030504040204" pitchFamily="34" charset="0"/>
                 <a:ea typeface="Verdana" panose="020B0604030504040204" pitchFamily="34" charset="0"/>
               </a:rPr>
-              <a:t>06-Jun-2020</a:t>
+              <a:t>12-Jun-2020</a:t>
             </a:r>
           </a:p>
         </p:txBody>
@@ -4220,37 +4218,49 @@
       </p:sp>
       <p:pic>
         <p:nvPicPr>
-          <p:cNvPr id="2" name="Picture 1">
-            <a:extLst>
-              <a:ext uri="{FF2B5EF4-FFF2-40B4-BE49-F238E27FC236}">
-                <a16:creationId xmlns:a16="http://schemas.microsoft.com/office/drawing/2014/main" id="{D5A70B7C-EC5C-458C-956B-C15C8D6C6A6E}"/>
+          <p:cNvPr id="1026" name="Picture 2" descr="No alternative text description for this image">
+            <a:extLst>
+              <a:ext uri="{FF2B5EF4-FFF2-40B4-BE49-F238E27FC236}">
+                <a16:creationId xmlns:a16="http://schemas.microsoft.com/office/drawing/2014/main" id="{184863C0-F56F-4DC0-BCBC-144375C0977C}"/>
               </a:ext>
             </a:extLst>
           </p:cNvPr>
           <p:cNvPicPr>
-            <a:picLocks noChangeAspect="1"/>
+            <a:picLocks noChangeAspect="1" noChangeArrowheads="1"/>
           </p:cNvPicPr>
           <p:nvPr/>
         </p:nvPicPr>
         <p:blipFill>
-          <a:blip r:embed="rId4"/>
+          <a:blip r:embed="rId4">
+            <a:extLst>
+              <a:ext uri="{28A0092B-C50C-407E-A947-70E740481C1C}">
+                <a14:useLocalDpi xmlns:a14="http://schemas.microsoft.com/office/drawing/2010/main" val="0"/>
+              </a:ext>
+            </a:extLst>
+          </a:blip>
+          <a:srcRect/>
           <a:stretch>
             <a:fillRect/>
           </a:stretch>
         </p:blipFill>
-        <p:spPr>
+        <p:spPr bwMode="auto">
           <a:xfrm>
-            <a:off x="71750" y="555746"/>
-            <a:ext cx="12058103" cy="4824122"/>
+            <a:off x="62146" y="546867"/>
+            <a:ext cx="12076123" cy="4868770"/>
           </a:xfrm>
           <a:prstGeom prst="rect">
             <a:avLst/>
           </a:prstGeom>
-          <a:ln>
-            <a:solidFill>
-              <a:schemeClr val="accent1"/>
-            </a:solidFill>
-          </a:ln>
+          <a:noFill/>
+          <a:extLst>
+            <a:ext uri="{909E8E84-426E-40DD-AFC4-6F175D3DCCD1}">
+              <a14:hiddenFill xmlns:a14="http://schemas.microsoft.com/office/drawing/2010/main">
+                <a:solidFill>
+                  <a:srgbClr val="FFFFFF"/>
+                </a:solidFill>
+              </a14:hiddenFill>
+            </a:ext>
+          </a:extLst>
         </p:spPr>
       </p:pic>
     </p:spTree>
@@ -4333,7 +4343,14 @@
                 <a:latin typeface="Verdana" panose="020B0604030504040204" pitchFamily="34" charset="0"/>
                 <a:ea typeface="Verdana" panose="020B0604030504040204" pitchFamily="34" charset="0"/>
               </a:rPr>
-              <a:t>Install Redis Cache on WSL on Windows 10</a:t>
+              <a:t>Adding gRPC Logging </a:t>
+            </a:r>
+            <a:r>
+              <a:rPr lang="en-US" b="1">
+                <a:latin typeface="Verdana" panose="020B0604030504040204" pitchFamily="34" charset="0"/>
+                <a:ea typeface="Verdana" panose="020B0604030504040204" pitchFamily="34" charset="0"/>
+              </a:rPr>
+              <a:t>inside Client</a:t>
             </a:r>
             <a:endParaRPr lang="en-IN" b="1" dirty="0">
               <a:latin typeface="Verdana" panose="020B0604030504040204" pitchFamily="34" charset="0"/>
@@ -4428,7 +4445,7 @@
                 <a:latin typeface="Verdana" panose="020B0604030504040204" pitchFamily="34" charset="0"/>
                 <a:ea typeface="Verdana" panose="020B0604030504040204" pitchFamily="34" charset="0"/>
               </a:rPr>
-              <a:t>06-Jun-2020</a:t>
+              <a:t>12-Jun-2020</a:t>
             </a:r>
           </a:p>
         </p:txBody>
@@ -4615,490 +4632,45 @@
           </a:p>
         </p:txBody>
       </p:sp>
-      <p:sp>
-        <p:nvSpPr>
-          <p:cNvPr id="10" name="TextBox 9">
-            <a:extLst>
-              <a:ext uri="{FF2B5EF4-FFF2-40B4-BE49-F238E27FC236}">
-                <a16:creationId xmlns:a16="http://schemas.microsoft.com/office/drawing/2014/main" id="{25C2594F-FCF8-4800-A7AC-EF269935EFA6}"/>
-              </a:ext>
-            </a:extLst>
-          </p:cNvPr>
-          <p:cNvSpPr txBox="1"/>
+      <p:pic>
+        <p:nvPicPr>
+          <p:cNvPr id="5" name="Picture 4">
+            <a:extLst>
+              <a:ext uri="{FF2B5EF4-FFF2-40B4-BE49-F238E27FC236}">
+                <a16:creationId xmlns:a16="http://schemas.microsoft.com/office/drawing/2014/main" id="{EC2CC9C7-63A9-4816-B2B1-58B85DCCAC36}"/>
+              </a:ext>
+            </a:extLst>
+          </p:cNvPr>
+          <p:cNvPicPr>
+            <a:picLocks noChangeAspect="1"/>
+          </p:cNvPicPr>
           <p:nvPr/>
-        </p:nvSpPr>
+        </p:nvPicPr>
+        <p:blipFill>
+          <a:blip r:embed="rId2"/>
+          <a:stretch>
+            <a:fillRect/>
+          </a:stretch>
+        </p:blipFill>
         <p:spPr>
           <a:xfrm>
-            <a:off x="80629" y="557824"/>
-            <a:ext cx="12037390" cy="5588774"/>
+            <a:off x="106532" y="550355"/>
+            <a:ext cx="11970058" cy="5624065"/>
           </a:xfrm>
           <a:prstGeom prst="rect">
             <a:avLst/>
           </a:prstGeom>
-          <a:noFill/>
+          <a:ln>
+            <a:solidFill>
+              <a:schemeClr val="accent1"/>
+            </a:solidFill>
+          </a:ln>
         </p:spPr>
-        <p:txBody>
-          <a:bodyPr wrap="square" rtlCol="0">
-            <a:spAutoFit/>
-          </a:bodyPr>
-          <a:lstStyle/>
-          <a:p>
-            <a:pPr>
-              <a:lnSpc>
-                <a:spcPct val="150000"/>
-              </a:lnSpc>
-            </a:pPr>
-            <a:r>
-              <a:rPr lang="en-US" sz="1400" dirty="0">
-                <a:solidFill>
-                  <a:srgbClr val="002060"/>
-                </a:solidFill>
-                <a:latin typeface="Verdana" panose="020B0604030504040204" pitchFamily="34" charset="0"/>
-                <a:ea typeface="Verdana" panose="020B0604030504040204" pitchFamily="34" charset="0"/>
-              </a:rPr>
-              <a:t>Please refer official documentation for detailed steps. URL: </a:t>
-            </a:r>
-            <a:r>
-              <a:rPr lang="en-IN" sz="1400" dirty="0">
-                <a:hlinkClick r:id="rId2"/>
-              </a:rPr>
-              <a:t>https://redislabs.com/blog/redis-on-windows-10/</a:t>
-            </a:r>
-            <a:endParaRPr lang="en-IN" sz="1400" dirty="0"/>
-          </a:p>
-          <a:p>
-            <a:pPr>
-              <a:lnSpc>
-                <a:spcPct val="150000"/>
-              </a:lnSpc>
-            </a:pPr>
-            <a:endParaRPr lang="en-IN" sz="1050" dirty="0">
-              <a:solidFill>
-                <a:srgbClr val="002060"/>
-              </a:solidFill>
-              <a:latin typeface="Verdana" panose="020B0604030504040204" pitchFamily="34" charset="0"/>
-              <a:ea typeface="Verdana" panose="020B0604030504040204" pitchFamily="34" charset="0"/>
-            </a:endParaRPr>
-          </a:p>
-          <a:p>
-            <a:pPr>
-              <a:lnSpc>
-                <a:spcPct val="150000"/>
-              </a:lnSpc>
-            </a:pPr>
-            <a:r>
-              <a:rPr lang="en-IN" sz="1400" b="1" dirty="0">
-                <a:solidFill>
-                  <a:srgbClr val="002060"/>
-                </a:solidFill>
-                <a:latin typeface="Verdana" panose="020B0604030504040204" pitchFamily="34" charset="0"/>
-                <a:ea typeface="Verdana" panose="020B0604030504040204" pitchFamily="34" charset="0"/>
-              </a:rPr>
-              <a:t>Install Redis Cache on WSL on Windows 10</a:t>
-            </a:r>
-            <a:endParaRPr lang="en-IN" sz="1400" dirty="0">
-              <a:solidFill>
-                <a:srgbClr val="002060"/>
-              </a:solidFill>
-              <a:latin typeface="Verdana" panose="020B0604030504040204" pitchFamily="34" charset="0"/>
-              <a:ea typeface="Verdana" panose="020B0604030504040204" pitchFamily="34" charset="0"/>
-            </a:endParaRPr>
-          </a:p>
-          <a:p>
-            <a:pPr marL="742950" lvl="1" indent="-285750">
-              <a:lnSpc>
-                <a:spcPct val="150000"/>
-              </a:lnSpc>
-              <a:buFont typeface="Wingdings" panose="05000000000000000000" pitchFamily="2" charset="2"/>
-              <a:buChar char="Ø"/>
-            </a:pPr>
-            <a:r>
-              <a:rPr lang="en-IN" sz="1400" dirty="0" err="1">
-                <a:solidFill>
-                  <a:srgbClr val="002060"/>
-                </a:solidFill>
-                <a:latin typeface="Verdana" panose="020B0604030504040204" pitchFamily="34" charset="0"/>
-                <a:ea typeface="Verdana" panose="020B0604030504040204" pitchFamily="34" charset="0"/>
-              </a:rPr>
-              <a:t>sudo</a:t>
-            </a:r>
-            <a:r>
-              <a:rPr lang="en-IN" sz="1400" dirty="0">
-                <a:solidFill>
-                  <a:srgbClr val="002060"/>
-                </a:solidFill>
-                <a:latin typeface="Verdana" panose="020B0604030504040204" pitchFamily="34" charset="0"/>
-                <a:ea typeface="Verdana" panose="020B0604030504040204" pitchFamily="34" charset="0"/>
-              </a:rPr>
-              <a:t> apt-get update</a:t>
-            </a:r>
-          </a:p>
-          <a:p>
-            <a:pPr marL="742950" lvl="1" indent="-285750">
-              <a:lnSpc>
-                <a:spcPct val="150000"/>
-              </a:lnSpc>
-              <a:buFont typeface="Wingdings" panose="05000000000000000000" pitchFamily="2" charset="2"/>
-              <a:buChar char="Ø"/>
-            </a:pPr>
-            <a:r>
-              <a:rPr lang="en-IN" sz="1400" dirty="0" err="1">
-                <a:solidFill>
-                  <a:srgbClr val="002060"/>
-                </a:solidFill>
-                <a:latin typeface="Verdana" panose="020B0604030504040204" pitchFamily="34" charset="0"/>
-                <a:ea typeface="Verdana" panose="020B0604030504040204" pitchFamily="34" charset="0"/>
-              </a:rPr>
-              <a:t>sudo</a:t>
-            </a:r>
-            <a:r>
-              <a:rPr lang="en-IN" sz="1400" dirty="0">
-                <a:solidFill>
-                  <a:srgbClr val="002060"/>
-                </a:solidFill>
-                <a:latin typeface="Verdana" panose="020B0604030504040204" pitchFamily="34" charset="0"/>
-                <a:ea typeface="Verdana" panose="020B0604030504040204" pitchFamily="34" charset="0"/>
-              </a:rPr>
-              <a:t> apt-get upgrade</a:t>
-            </a:r>
-          </a:p>
-          <a:p>
-            <a:pPr marL="742950" lvl="1" indent="-285750">
-              <a:lnSpc>
-                <a:spcPct val="150000"/>
-              </a:lnSpc>
-              <a:buFont typeface="Wingdings" panose="05000000000000000000" pitchFamily="2" charset="2"/>
-              <a:buChar char="Ø"/>
-            </a:pPr>
-            <a:r>
-              <a:rPr lang="en-IN" sz="1400" dirty="0" err="1">
-                <a:solidFill>
-                  <a:srgbClr val="002060"/>
-                </a:solidFill>
-                <a:latin typeface="Verdana" panose="020B0604030504040204" pitchFamily="34" charset="0"/>
-                <a:ea typeface="Verdana" panose="020B0604030504040204" pitchFamily="34" charset="0"/>
-              </a:rPr>
-              <a:t>sudo</a:t>
-            </a:r>
-            <a:r>
-              <a:rPr lang="en-IN" sz="1400" dirty="0">
-                <a:solidFill>
-                  <a:srgbClr val="002060"/>
-                </a:solidFill>
-                <a:latin typeface="Verdana" panose="020B0604030504040204" pitchFamily="34" charset="0"/>
-                <a:ea typeface="Verdana" panose="020B0604030504040204" pitchFamily="34" charset="0"/>
-              </a:rPr>
-              <a:t> apt-get install </a:t>
-            </a:r>
-            <a:r>
-              <a:rPr lang="en-IN" sz="1400" dirty="0" err="1">
-                <a:solidFill>
-                  <a:srgbClr val="002060"/>
-                </a:solidFill>
-                <a:latin typeface="Verdana" panose="020B0604030504040204" pitchFamily="34" charset="0"/>
-                <a:ea typeface="Verdana" panose="020B0604030504040204" pitchFamily="34" charset="0"/>
-              </a:rPr>
-              <a:t>redis</a:t>
-            </a:r>
-            <a:r>
-              <a:rPr lang="en-IN" sz="1400" dirty="0">
-                <a:solidFill>
-                  <a:srgbClr val="002060"/>
-                </a:solidFill>
-                <a:latin typeface="Verdana" panose="020B0604030504040204" pitchFamily="34" charset="0"/>
-                <a:ea typeface="Verdana" panose="020B0604030504040204" pitchFamily="34" charset="0"/>
-              </a:rPr>
-              <a:t>-server</a:t>
-            </a:r>
-          </a:p>
-          <a:p>
-            <a:pPr>
-              <a:lnSpc>
-                <a:spcPct val="150000"/>
-              </a:lnSpc>
-            </a:pPr>
-            <a:br>
-              <a:rPr lang="en-IN" sz="1400" dirty="0">
-                <a:solidFill>
-                  <a:srgbClr val="002060"/>
-                </a:solidFill>
-                <a:latin typeface="Verdana" panose="020B0604030504040204" pitchFamily="34" charset="0"/>
-                <a:ea typeface="Verdana" panose="020B0604030504040204" pitchFamily="34" charset="0"/>
-              </a:rPr>
-            </a:br>
-            <a:r>
-              <a:rPr lang="en-IN" sz="1400" b="1" dirty="0">
-                <a:solidFill>
-                  <a:srgbClr val="002060"/>
-                </a:solidFill>
-                <a:latin typeface="Verdana" panose="020B0604030504040204" pitchFamily="34" charset="0"/>
-                <a:ea typeface="Verdana" panose="020B0604030504040204" pitchFamily="34" charset="0"/>
-              </a:rPr>
-              <a:t>To Start and Stop the Redis Service</a:t>
-            </a:r>
-            <a:endParaRPr lang="en-IN" sz="1400" dirty="0">
-              <a:solidFill>
-                <a:srgbClr val="002060"/>
-              </a:solidFill>
-              <a:latin typeface="Verdana" panose="020B0604030504040204" pitchFamily="34" charset="0"/>
-              <a:ea typeface="Verdana" panose="020B0604030504040204" pitchFamily="34" charset="0"/>
-            </a:endParaRPr>
-          </a:p>
-          <a:p>
-            <a:pPr marL="742950" lvl="1" indent="-285750">
-              <a:lnSpc>
-                <a:spcPct val="150000"/>
-              </a:lnSpc>
-              <a:buFont typeface="Wingdings" panose="05000000000000000000" pitchFamily="2" charset="2"/>
-              <a:buChar char="Ø"/>
-            </a:pPr>
-            <a:r>
-              <a:rPr lang="en-IN" sz="1400" dirty="0" err="1">
-                <a:solidFill>
-                  <a:srgbClr val="002060"/>
-                </a:solidFill>
-                <a:latin typeface="Verdana" panose="020B0604030504040204" pitchFamily="34" charset="0"/>
-                <a:ea typeface="Verdana" panose="020B0604030504040204" pitchFamily="34" charset="0"/>
-              </a:rPr>
-              <a:t>sudo</a:t>
-            </a:r>
-            <a:r>
-              <a:rPr lang="en-IN" sz="1400" dirty="0">
-                <a:solidFill>
-                  <a:srgbClr val="002060"/>
-                </a:solidFill>
-                <a:latin typeface="Verdana" panose="020B0604030504040204" pitchFamily="34" charset="0"/>
-                <a:ea typeface="Verdana" panose="020B0604030504040204" pitchFamily="34" charset="0"/>
-              </a:rPr>
-              <a:t> service </a:t>
-            </a:r>
-            <a:r>
-              <a:rPr lang="en-IN" sz="1400" dirty="0" err="1">
-                <a:solidFill>
-                  <a:srgbClr val="002060"/>
-                </a:solidFill>
-                <a:latin typeface="Verdana" panose="020B0604030504040204" pitchFamily="34" charset="0"/>
-                <a:ea typeface="Verdana" panose="020B0604030504040204" pitchFamily="34" charset="0"/>
-              </a:rPr>
-              <a:t>redis</a:t>
-            </a:r>
-            <a:r>
-              <a:rPr lang="en-IN" sz="1400" dirty="0">
-                <a:solidFill>
-                  <a:srgbClr val="002060"/>
-                </a:solidFill>
-                <a:latin typeface="Verdana" panose="020B0604030504040204" pitchFamily="34" charset="0"/>
-                <a:ea typeface="Verdana" panose="020B0604030504040204" pitchFamily="34" charset="0"/>
-              </a:rPr>
-              <a:t>-server restart</a:t>
-            </a:r>
-          </a:p>
-          <a:p>
-            <a:pPr marL="742950" lvl="1" indent="-285750">
-              <a:lnSpc>
-                <a:spcPct val="150000"/>
-              </a:lnSpc>
-              <a:buFont typeface="Wingdings" panose="05000000000000000000" pitchFamily="2" charset="2"/>
-              <a:buChar char="Ø"/>
-            </a:pPr>
-            <a:r>
-              <a:rPr lang="en-IN" sz="1400" dirty="0" err="1">
-                <a:solidFill>
-                  <a:srgbClr val="002060"/>
-                </a:solidFill>
-                <a:latin typeface="Verdana" panose="020B0604030504040204" pitchFamily="34" charset="0"/>
-                <a:ea typeface="Verdana" panose="020B0604030504040204" pitchFamily="34" charset="0"/>
-              </a:rPr>
-              <a:t>sudo</a:t>
-            </a:r>
-            <a:r>
-              <a:rPr lang="en-IN" sz="1400" dirty="0">
-                <a:solidFill>
-                  <a:srgbClr val="002060"/>
-                </a:solidFill>
-                <a:latin typeface="Verdana" panose="020B0604030504040204" pitchFamily="34" charset="0"/>
-                <a:ea typeface="Verdana" panose="020B0604030504040204" pitchFamily="34" charset="0"/>
-              </a:rPr>
-              <a:t> service </a:t>
-            </a:r>
-            <a:r>
-              <a:rPr lang="en-IN" sz="1400" dirty="0" err="1">
-                <a:solidFill>
-                  <a:srgbClr val="002060"/>
-                </a:solidFill>
-                <a:latin typeface="Verdana" panose="020B0604030504040204" pitchFamily="34" charset="0"/>
-                <a:ea typeface="Verdana" panose="020B0604030504040204" pitchFamily="34" charset="0"/>
-              </a:rPr>
-              <a:t>redis</a:t>
-            </a:r>
-            <a:r>
-              <a:rPr lang="en-IN" sz="1400" dirty="0">
-                <a:solidFill>
-                  <a:srgbClr val="002060"/>
-                </a:solidFill>
-                <a:latin typeface="Verdana" panose="020B0604030504040204" pitchFamily="34" charset="0"/>
-                <a:ea typeface="Verdana" panose="020B0604030504040204" pitchFamily="34" charset="0"/>
-              </a:rPr>
-              <a:t>-server stop</a:t>
-            </a:r>
-          </a:p>
-          <a:p>
-            <a:pPr>
-              <a:lnSpc>
-                <a:spcPct val="150000"/>
-              </a:lnSpc>
-            </a:pPr>
-            <a:endParaRPr lang="en-US" sz="1400" dirty="0">
-              <a:solidFill>
-                <a:srgbClr val="002060"/>
-              </a:solidFill>
-              <a:latin typeface="Verdana" panose="020B0604030504040204" pitchFamily="34" charset="0"/>
-              <a:ea typeface="Verdana" panose="020B0604030504040204" pitchFamily="34" charset="0"/>
-            </a:endParaRPr>
-          </a:p>
-          <a:p>
-            <a:pPr>
-              <a:lnSpc>
-                <a:spcPct val="150000"/>
-              </a:lnSpc>
-            </a:pPr>
-            <a:r>
-              <a:rPr lang="en-IN" sz="1400" b="1" dirty="0">
-                <a:solidFill>
-                  <a:srgbClr val="002060"/>
-                </a:solidFill>
-                <a:latin typeface="Verdana" panose="020B0604030504040204" pitchFamily="34" charset="0"/>
-                <a:ea typeface="Verdana" panose="020B0604030504040204" pitchFamily="34" charset="0"/>
-              </a:rPr>
-              <a:t>To Start and Stop the Redis Service</a:t>
-            </a:r>
-          </a:p>
-          <a:p>
-            <a:pPr marL="742950" lvl="1" indent="-285750">
-              <a:lnSpc>
-                <a:spcPct val="150000"/>
-              </a:lnSpc>
-              <a:buFont typeface="Wingdings" panose="05000000000000000000" pitchFamily="2" charset="2"/>
-              <a:buChar char="Ø"/>
-            </a:pPr>
-            <a:r>
-              <a:rPr lang="en-IN" sz="1400" dirty="0" err="1">
-                <a:solidFill>
-                  <a:srgbClr val="002060"/>
-                </a:solidFill>
-                <a:latin typeface="Verdana" panose="020B0604030504040204" pitchFamily="34" charset="0"/>
-                <a:ea typeface="Verdana" panose="020B0604030504040204" pitchFamily="34" charset="0"/>
-              </a:rPr>
-              <a:t>redis</a:t>
-            </a:r>
-            <a:r>
-              <a:rPr lang="en-IN" sz="1400" dirty="0">
-                <a:solidFill>
-                  <a:srgbClr val="002060"/>
-                </a:solidFill>
-                <a:latin typeface="Verdana" panose="020B0604030504040204" pitchFamily="34" charset="0"/>
-                <a:ea typeface="Verdana" panose="020B0604030504040204" pitchFamily="34" charset="0"/>
-              </a:rPr>
-              <a:t>-server -v</a:t>
-            </a:r>
-          </a:p>
-          <a:p>
-            <a:pPr marL="742950" lvl="1" indent="-285750">
-              <a:lnSpc>
-                <a:spcPct val="150000"/>
-              </a:lnSpc>
-              <a:buFont typeface="Wingdings" panose="05000000000000000000" pitchFamily="2" charset="2"/>
-              <a:buChar char="Ø"/>
-            </a:pPr>
-            <a:r>
-              <a:rPr lang="en-IN" sz="1400" dirty="0" err="1">
-                <a:solidFill>
-                  <a:srgbClr val="002060"/>
-                </a:solidFill>
-                <a:latin typeface="Verdana" panose="020B0604030504040204" pitchFamily="34" charset="0"/>
-                <a:ea typeface="Verdana" panose="020B0604030504040204" pitchFamily="34" charset="0"/>
-              </a:rPr>
-              <a:t>redis</a:t>
-            </a:r>
-            <a:r>
-              <a:rPr lang="en-IN" sz="1400" dirty="0">
-                <a:solidFill>
-                  <a:srgbClr val="002060"/>
-                </a:solidFill>
-                <a:latin typeface="Verdana" panose="020B0604030504040204" pitchFamily="34" charset="0"/>
-                <a:ea typeface="Verdana" panose="020B0604030504040204" pitchFamily="34" charset="0"/>
-              </a:rPr>
-              <a:t>-cli -v</a:t>
-            </a:r>
-          </a:p>
-          <a:p>
-            <a:pPr marL="742950" lvl="1" indent="-285750">
-              <a:lnSpc>
-                <a:spcPct val="150000"/>
-              </a:lnSpc>
-              <a:buFont typeface="Wingdings" panose="05000000000000000000" pitchFamily="2" charset="2"/>
-              <a:buChar char="Ø"/>
-            </a:pPr>
-            <a:endParaRPr lang="en-IN" sz="1400" dirty="0">
-              <a:solidFill>
-                <a:srgbClr val="002060"/>
-              </a:solidFill>
-              <a:latin typeface="Verdana" panose="020B0604030504040204" pitchFamily="34" charset="0"/>
-              <a:ea typeface="Verdana" panose="020B0604030504040204" pitchFamily="34" charset="0"/>
-            </a:endParaRPr>
-          </a:p>
-          <a:p>
-            <a:pPr>
-              <a:lnSpc>
-                <a:spcPct val="150000"/>
-              </a:lnSpc>
-            </a:pPr>
-            <a:r>
-              <a:rPr lang="en-IN" sz="1400" b="1" dirty="0">
-                <a:solidFill>
-                  <a:srgbClr val="002060"/>
-                </a:solidFill>
-                <a:latin typeface="Verdana" panose="020B0604030504040204" pitchFamily="34" charset="0"/>
-                <a:ea typeface="Verdana" panose="020B0604030504040204" pitchFamily="34" charset="0"/>
-              </a:rPr>
-              <a:t>To Connect to Redis Server</a:t>
-            </a:r>
-          </a:p>
-          <a:p>
-            <a:pPr marL="742950" lvl="1" indent="-285750">
-              <a:lnSpc>
-                <a:spcPct val="150000"/>
-              </a:lnSpc>
-              <a:buFont typeface="Wingdings" panose="05000000000000000000" pitchFamily="2" charset="2"/>
-              <a:buChar char="Ø"/>
-            </a:pPr>
-            <a:r>
-              <a:rPr lang="en-IN" sz="1400" dirty="0" err="1">
-                <a:solidFill>
-                  <a:srgbClr val="002060"/>
-                </a:solidFill>
-                <a:latin typeface="Verdana" panose="020B0604030504040204" pitchFamily="34" charset="0"/>
-                <a:ea typeface="Verdana" panose="020B0604030504040204" pitchFamily="34" charset="0"/>
-              </a:rPr>
-              <a:t>redis</a:t>
-            </a:r>
-            <a:r>
-              <a:rPr lang="en-IN" sz="1400" dirty="0">
-                <a:solidFill>
-                  <a:srgbClr val="002060"/>
-                </a:solidFill>
-                <a:latin typeface="Verdana" panose="020B0604030504040204" pitchFamily="34" charset="0"/>
-                <a:ea typeface="Verdana" panose="020B0604030504040204" pitchFamily="34" charset="0"/>
-              </a:rPr>
-              <a:t>-cli</a:t>
-            </a:r>
-          </a:p>
-        </p:txBody>
-      </p:sp>
+      </p:pic>
     </p:spTree>
     <p:extLst>
       <p:ext uri="{BB962C8B-B14F-4D97-AF65-F5344CB8AC3E}">
-        <p14:creationId xmlns:p14="http://schemas.microsoft.com/office/powerpoint/2010/main" val="2572657671"/>
+        <p14:creationId xmlns:p14="http://schemas.microsoft.com/office/powerpoint/2010/main" val="156750883"/>
       </p:ext>
     </p:extLst>
   </p:cSld>
@@ -5171,13 +4743,13 @@
           <a:p>
             <a:pPr algn="ctr"/>
             <a:r>
-              <a:rPr lang="en-US" b="1" dirty="0">
-                <a:latin typeface="Verdana" panose="020B0604030504040204" pitchFamily="34" charset="0"/>
-                <a:ea typeface="Verdana" panose="020B0604030504040204" pitchFamily="34" charset="0"/>
-              </a:rPr>
-              <a:t>Install Redis Cache on WSL on Windows 10</a:t>
-            </a:r>
-            <a:endParaRPr lang="en-IN" b="1" dirty="0">
+              <a:rPr lang="en-US" dirty="0">
+                <a:latin typeface="Verdana" panose="020B0604030504040204" pitchFamily="34" charset="0"/>
+                <a:ea typeface="Verdana" panose="020B0604030504040204" pitchFamily="34" charset="0"/>
+              </a:rPr>
+              <a:t>What is next?</a:t>
+            </a:r>
+            <a:endParaRPr lang="en-IN" dirty="0">
               <a:latin typeface="Verdana" panose="020B0604030504040204" pitchFamily="34" charset="0"/>
               <a:ea typeface="Verdana" panose="020B0604030504040204" pitchFamily="34" charset="0"/>
             </a:endParaRPr>
@@ -5270,7 +4842,7 @@
                 <a:latin typeface="Verdana" panose="020B0604030504040204" pitchFamily="34" charset="0"/>
                 <a:ea typeface="Verdana" panose="020B0604030504040204" pitchFamily="34" charset="0"/>
               </a:rPr>
-              <a:t>06-Jun-2020</a:t>
+              <a:t>12-Jun-2020</a:t>
             </a:r>
           </a:p>
         </p:txBody>
@@ -5459,10 +5031,10 @@
       </p:sp>
       <p:pic>
         <p:nvPicPr>
-          <p:cNvPr id="2" name="Picture 1">
-            <a:extLst>
-              <a:ext uri="{FF2B5EF4-FFF2-40B4-BE49-F238E27FC236}">
-                <a16:creationId xmlns:a16="http://schemas.microsoft.com/office/drawing/2014/main" id="{DC2E26A5-4A12-4E6B-9916-F411194AFB16}"/>
+          <p:cNvPr id="10" name="Picture 9">
+            <a:extLst>
+              <a:ext uri="{FF2B5EF4-FFF2-40B4-BE49-F238E27FC236}">
+                <a16:creationId xmlns:a16="http://schemas.microsoft.com/office/drawing/2014/main" id="{813E3CE3-3591-4345-90F1-32ACB01A7F96}"/>
               </a:ext>
             </a:extLst>
           </p:cNvPr>
@@ -5472,30 +5044,254 @@
           <p:nvPr/>
         </p:nvPicPr>
         <p:blipFill>
-          <a:blip r:embed="rId2"/>
+          <a:blip r:embed="rId2" cstate="print">
+            <a:extLst>
+              <a:ext uri="{28A0092B-C50C-407E-A947-70E740481C1C}">
+                <a14:useLocalDpi xmlns:a14="http://schemas.microsoft.com/office/drawing/2010/main" val="0"/>
+              </a:ext>
+            </a:extLst>
+          </a:blip>
           <a:stretch>
             <a:fillRect/>
           </a:stretch>
         </p:blipFill>
         <p:spPr>
           <a:xfrm>
-            <a:off x="71750" y="621437"/>
-            <a:ext cx="12058103" cy="5646198"/>
+            <a:off x="133897" y="633074"/>
+            <a:ext cx="2121352" cy="1117894"/>
           </a:xfrm>
           <a:prstGeom prst="rect">
             <a:avLst/>
           </a:prstGeom>
-          <a:ln>
-            <a:solidFill>
-              <a:schemeClr val="accent1"/>
-            </a:solidFill>
-          </a:ln>
         </p:spPr>
       </p:pic>
+      <p:sp>
+        <p:nvSpPr>
+          <p:cNvPr id="13" name="TextBox 12">
+            <a:extLst>
+              <a:ext uri="{FF2B5EF4-FFF2-40B4-BE49-F238E27FC236}">
+                <a16:creationId xmlns:a16="http://schemas.microsoft.com/office/drawing/2014/main" id="{C93F71B2-BF87-46E1-B2C0-A074AD4881C2}"/>
+              </a:ext>
+            </a:extLst>
+          </p:cNvPr>
+          <p:cNvSpPr txBox="1"/>
+          <p:nvPr/>
+        </p:nvSpPr>
+        <p:spPr>
+          <a:xfrm>
+            <a:off x="80629" y="1898354"/>
+            <a:ext cx="12037390" cy="2953950"/>
+          </a:xfrm>
+          <a:prstGeom prst="rect">
+            <a:avLst/>
+          </a:prstGeom>
+          <a:noFill/>
+        </p:spPr>
+        <p:txBody>
+          <a:bodyPr wrap="square" rtlCol="0">
+            <a:spAutoFit/>
+          </a:bodyPr>
+          <a:lstStyle/>
+          <a:p>
+            <a:pPr>
+              <a:lnSpc>
+                <a:spcPct val="200000"/>
+              </a:lnSpc>
+            </a:pPr>
+            <a:r>
+              <a:rPr lang="en-US" sz="2000" dirty="0">
+                <a:solidFill>
+                  <a:srgbClr val="002060"/>
+                </a:solidFill>
+                <a:latin typeface="Verdana" panose="020B0604030504040204" pitchFamily="34" charset="0"/>
+                <a:ea typeface="Verdana" panose="020B0604030504040204" pitchFamily="34" charset="0"/>
+              </a:rPr>
+              <a:t>What we will discuss in next session (</a:t>
+            </a:r>
+            <a:r>
+              <a:rPr lang="en-US" sz="2000" b="1" dirty="0">
+                <a:solidFill>
+                  <a:srgbClr val="0070C0"/>
+                </a:solidFill>
+                <a:latin typeface="Verdana" panose="020B0604030504040204" pitchFamily="34" charset="0"/>
+                <a:ea typeface="Verdana" panose="020B0604030504040204" pitchFamily="34" charset="0"/>
+              </a:rPr>
+              <a:t>27-Jun-2020</a:t>
+            </a:r>
+            <a:r>
+              <a:rPr lang="en-US" sz="2000" dirty="0">
+                <a:solidFill>
+                  <a:srgbClr val="002060"/>
+                </a:solidFill>
+                <a:latin typeface="Verdana" panose="020B0604030504040204" pitchFamily="34" charset="0"/>
+                <a:ea typeface="Verdana" panose="020B0604030504040204" pitchFamily="34" charset="0"/>
+              </a:rPr>
+              <a:t>) ….</a:t>
+            </a:r>
+          </a:p>
+          <a:p>
+            <a:pPr marL="628650" lvl="1" indent="-171450">
+              <a:lnSpc>
+                <a:spcPct val="150000"/>
+              </a:lnSpc>
+              <a:buFont typeface="Wingdings" panose="05000000000000000000" pitchFamily="2" charset="2"/>
+              <a:buChar char="Ø"/>
+            </a:pPr>
+            <a:r>
+              <a:rPr lang="en-US" sz="2000" dirty="0">
+                <a:solidFill>
+                  <a:srgbClr val="002060"/>
+                </a:solidFill>
+                <a:latin typeface="Verdana" panose="020B0604030504040204" pitchFamily="34" charset="0"/>
+                <a:ea typeface="Verdana" panose="020B0604030504040204" pitchFamily="34" charset="0"/>
+              </a:rPr>
+              <a:t> Using Azure Redis Cache.</a:t>
+            </a:r>
+          </a:p>
+          <a:p>
+            <a:pPr marL="628650" lvl="1" indent="-171450">
+              <a:lnSpc>
+                <a:spcPct val="150000"/>
+              </a:lnSpc>
+              <a:buFont typeface="Wingdings" panose="05000000000000000000" pitchFamily="2" charset="2"/>
+              <a:buChar char="Ø"/>
+            </a:pPr>
+            <a:r>
+              <a:rPr lang="en-US" sz="2000" dirty="0">
+                <a:solidFill>
+                  <a:srgbClr val="002060"/>
+                </a:solidFill>
+                <a:latin typeface="Verdana" panose="020B0604030504040204" pitchFamily="34" charset="0"/>
+                <a:ea typeface="Verdana" panose="020B0604030504040204" pitchFamily="34" charset="0"/>
+              </a:rPr>
+              <a:t> Using Azure SQL, and Cosmos Db.</a:t>
+            </a:r>
+          </a:p>
+          <a:p>
+            <a:pPr marL="628650" lvl="1" indent="-171450">
+              <a:lnSpc>
+                <a:spcPct val="150000"/>
+              </a:lnSpc>
+              <a:buFont typeface="Wingdings" panose="05000000000000000000" pitchFamily="2" charset="2"/>
+              <a:buChar char="Ø"/>
+            </a:pPr>
+            <a:r>
+              <a:rPr lang="en-US" sz="2000" dirty="0">
+                <a:solidFill>
+                  <a:srgbClr val="002060"/>
+                </a:solidFill>
+                <a:latin typeface="Verdana" panose="020B0604030504040204" pitchFamily="34" charset="0"/>
+                <a:ea typeface="Verdana" panose="020B0604030504040204" pitchFamily="34" charset="0"/>
+              </a:rPr>
+              <a:t> Hosting the gRPC Service on Ubuntu VM in Azure US Region.</a:t>
+            </a:r>
+          </a:p>
+          <a:p>
+            <a:pPr marL="628650" lvl="1" indent="-171450">
+              <a:lnSpc>
+                <a:spcPct val="150000"/>
+              </a:lnSpc>
+              <a:buFont typeface="Wingdings" panose="05000000000000000000" pitchFamily="2" charset="2"/>
+              <a:buChar char="Ø"/>
+            </a:pPr>
+            <a:r>
+              <a:rPr lang="en-US" sz="2000" dirty="0">
+                <a:solidFill>
+                  <a:srgbClr val="002060"/>
+                </a:solidFill>
+                <a:latin typeface="Verdana" panose="020B0604030504040204" pitchFamily="34" charset="0"/>
+                <a:ea typeface="Verdana" panose="020B0604030504040204" pitchFamily="34" charset="0"/>
+              </a:rPr>
+              <a:t> Hosting the gRPC Client on Windows VM in Azure India Region.</a:t>
+            </a:r>
+          </a:p>
+          <a:p>
+            <a:pPr marL="628650" lvl="1" indent="-171450">
+              <a:lnSpc>
+                <a:spcPct val="150000"/>
+              </a:lnSpc>
+              <a:buFont typeface="Wingdings" panose="05000000000000000000" pitchFamily="2" charset="2"/>
+              <a:buChar char="Ø"/>
+            </a:pPr>
+            <a:r>
+              <a:rPr lang="en-US" sz="2000" dirty="0">
+                <a:solidFill>
+                  <a:srgbClr val="002060"/>
+                </a:solidFill>
+                <a:latin typeface="Verdana" panose="020B0604030504040204" pitchFamily="34" charset="0"/>
+                <a:ea typeface="Verdana" panose="020B0604030504040204" pitchFamily="34" charset="0"/>
+              </a:rPr>
+              <a:t> Service to Service communication.</a:t>
+            </a:r>
+          </a:p>
+        </p:txBody>
+      </p:sp>
+      <p:sp>
+        <p:nvSpPr>
+          <p:cNvPr id="5" name="Rectangle 4">
+            <a:extLst>
+              <a:ext uri="{FF2B5EF4-FFF2-40B4-BE49-F238E27FC236}">
+                <a16:creationId xmlns:a16="http://schemas.microsoft.com/office/drawing/2014/main" id="{11B56C48-04D4-42D7-A892-61E969B93239}"/>
+              </a:ext>
+            </a:extLst>
+          </p:cNvPr>
+          <p:cNvSpPr/>
+          <p:nvPr/>
+        </p:nvSpPr>
+        <p:spPr>
+          <a:xfrm>
+            <a:off x="2794573" y="829156"/>
+            <a:ext cx="6609502" cy="923330"/>
+          </a:xfrm>
+          <a:prstGeom prst="rect">
+            <a:avLst/>
+          </a:prstGeom>
+          <a:noFill/>
+        </p:spPr>
+        <p:txBody>
+          <a:bodyPr wrap="none" lIns="91440" tIns="45720" rIns="91440" bIns="45720">
+            <a:spAutoFit/>
+            <a:scene3d>
+              <a:camera prst="orthographicFront"/>
+              <a:lightRig rig="soft" dir="t">
+                <a:rot lat="0" lon="0" rev="15600000"/>
+              </a:lightRig>
+            </a:scene3d>
+            <a:sp3d extrusionH="57150" prstMaterial="softEdge">
+              <a:bevelT w="25400" h="38100"/>
+            </a:sp3d>
+          </a:bodyPr>
+          <a:lstStyle/>
+          <a:p>
+            <a:pPr algn="ctr"/>
+            <a:r>
+              <a:rPr lang="en-US" sz="5400" b="1" cap="none" spc="0" dirty="0">
+                <a:ln/>
+                <a:solidFill>
+                  <a:schemeClr val="accent4"/>
+                </a:solidFill>
+                <a:effectLst/>
+                <a:latin typeface="Verdana" panose="020B0604030504040204" pitchFamily="34" charset="0"/>
+                <a:ea typeface="Verdana" panose="020B0604030504040204" pitchFamily="34" charset="0"/>
+              </a:rPr>
+              <a:t>What is next ???</a:t>
+            </a:r>
+            <a:endParaRPr lang="en-IN" sz="5400" b="1" cap="none" spc="0" dirty="0">
+              <a:ln/>
+              <a:solidFill>
+                <a:schemeClr val="accent4"/>
+              </a:solidFill>
+              <a:effectLst/>
+              <a:latin typeface="Verdana" panose="020B0604030504040204" pitchFamily="34" charset="0"/>
+              <a:ea typeface="Verdana" panose="020B0604030504040204" pitchFamily="34" charset="0"/>
+            </a:endParaRPr>
+          </a:p>
+        </p:txBody>
+      </p:sp>
     </p:spTree>
     <p:extLst>
       <p:ext uri="{BB962C8B-B14F-4D97-AF65-F5344CB8AC3E}">
-        <p14:creationId xmlns:p14="http://schemas.microsoft.com/office/powerpoint/2010/main" val="4061412945"/>
+        <p14:creationId xmlns:p14="http://schemas.microsoft.com/office/powerpoint/2010/main" val="3499439994"/>
       </p:ext>
     </p:extLst>
   </p:cSld>
@@ -5567,14 +5363,7 @@
           <a:lstStyle/>
           <a:p>
             <a:pPr algn="ctr"/>
-            <a:r>
-              <a:rPr lang="en-US" b="1" dirty="0">
-                <a:latin typeface="Verdana" panose="020B0604030504040204" pitchFamily="34" charset="0"/>
-                <a:ea typeface="Verdana" panose="020B0604030504040204" pitchFamily="34" charset="0"/>
-              </a:rPr>
-              <a:t>Install Redis Cache on WSL on Windows 10</a:t>
-            </a:r>
-            <a:endParaRPr lang="en-IN" b="1" dirty="0">
+            <a:endParaRPr lang="en-IN" dirty="0">
               <a:latin typeface="Verdana" panose="020B0604030504040204" pitchFamily="34" charset="0"/>
               <a:ea typeface="Verdana" panose="020B0604030504040204" pitchFamily="34" charset="0"/>
             </a:endParaRPr>
@@ -5667,7 +5456,7 @@
                 <a:latin typeface="Verdana" panose="020B0604030504040204" pitchFamily="34" charset="0"/>
                 <a:ea typeface="Verdana" panose="020B0604030504040204" pitchFamily="34" charset="0"/>
               </a:rPr>
-              <a:t>06-Jun-2020</a:t>
+              <a:t>12-Jun-2020</a:t>
             </a:r>
           </a:p>
         </p:txBody>
@@ -5859,7 +5648,7 @@
           <p:cNvPr id="11" name="Rectangle 10">
             <a:extLst>
               <a:ext uri="{FF2B5EF4-FFF2-40B4-BE49-F238E27FC236}">
-                <a16:creationId xmlns:a16="http://schemas.microsoft.com/office/drawing/2014/main" id="{F60D9B38-5067-4841-9B4A-CE7786A2CB4A}"/>
+                <a16:creationId xmlns:a16="http://schemas.microsoft.com/office/drawing/2014/main" id="{D55098C6-1198-4DAB-B484-23DB1A599453}"/>
               </a:ext>
             </a:extLst>
           </p:cNvPr>
@@ -5868,8 +5657,8 @@
         </p:nvSpPr>
         <p:spPr>
           <a:xfrm>
-            <a:off x="1920712" y="588106"/>
-            <a:ext cx="8315097" cy="4128694"/>
+            <a:off x="2816470" y="1919767"/>
+            <a:ext cx="6434775" cy="3154710"/>
           </a:xfrm>
           <a:prstGeom prst="rect">
             <a:avLst/>
@@ -5884,7 +5673,7 @@
           <a:p>
             <a:pPr algn="ctr"/>
             <a:r>
-              <a:rPr lang="en-US" sz="8800" b="1" cap="none" spc="0" dirty="0">
+              <a:rPr lang="en-US" sz="19900" b="1" cap="none" spc="0" dirty="0">
                 <a:ln w="9525">
                   <a:solidFill>
                     <a:schemeClr val="bg1"/>
@@ -5902,106 +5691,52 @@
                     </a:schemeClr>
                   </a:outerShdw>
                 </a:effectLst>
-                <a:latin typeface="Verdana" panose="020B0604030504040204" pitchFamily="34" charset="0"/>
-                <a:ea typeface="Verdana" panose="020B0604030504040204" pitchFamily="34" charset="0"/>
-              </a:rPr>
-              <a:t>Demo</a:t>
-            </a:r>
-          </a:p>
-          <a:p>
-            <a:pPr marL="1371600" indent="-1371600" algn="ctr">
-              <a:buAutoNum type="arabicPeriod"/>
-            </a:pPr>
-            <a:endParaRPr lang="en-US" sz="4000" b="1" cap="none" spc="0" dirty="0">
-              <a:ln w="9525">
-                <a:solidFill>
-                  <a:schemeClr val="bg1"/>
-                </a:solidFill>
-                <a:prstDash val="solid"/>
-              </a:ln>
-              <a:solidFill>
-                <a:schemeClr val="accent5"/>
-              </a:solidFill>
-              <a:effectLst>
-                <a:outerShdw blurRad="12700" dist="38100" dir="2700000" algn="tl" rotWithShape="0">
-                  <a:schemeClr val="accent5">
-                    <a:lumMod val="60000"/>
-                    <a:lumOff val="40000"/>
-                  </a:schemeClr>
-                </a:outerShdw>
-              </a:effectLst>
-              <a:latin typeface="Verdana" panose="020B0604030504040204" pitchFamily="34" charset="0"/>
-              <a:ea typeface="Verdana" panose="020B0604030504040204" pitchFamily="34" charset="0"/>
-            </a:endParaRPr>
-          </a:p>
-          <a:p>
-            <a:pPr algn="ctr">
-              <a:lnSpc>
-                <a:spcPct val="150000"/>
-              </a:lnSpc>
-            </a:pPr>
-            <a:r>
-              <a:rPr lang="en-US" sz="4800" b="1" dirty="0">
-                <a:ln w="9525">
-                  <a:solidFill>
-                    <a:schemeClr val="bg1"/>
-                  </a:solidFill>
-                  <a:prstDash val="solid"/>
-                </a:ln>
-                <a:solidFill>
-                  <a:schemeClr val="accent5"/>
-                </a:solidFill>
-                <a:effectLst>
-                  <a:outerShdw blurRad="12700" dist="38100" dir="2700000" algn="tl" rotWithShape="0">
-                    <a:schemeClr val="accent5">
-                      <a:lumMod val="60000"/>
-                      <a:lumOff val="40000"/>
-                    </a:schemeClr>
-                  </a:outerShdw>
-                </a:effectLst>
-                <a:latin typeface="Verdana" panose="020B0604030504040204" pitchFamily="34" charset="0"/>
-                <a:ea typeface="Verdana" panose="020B0604030504040204" pitchFamily="34" charset="0"/>
-              </a:rPr>
-              <a:t>Install Redis Cache </a:t>
-            </a:r>
-          </a:p>
-          <a:p>
-            <a:pPr algn="ctr">
-              <a:lnSpc>
-                <a:spcPct val="150000"/>
-              </a:lnSpc>
-            </a:pPr>
-            <a:r>
-              <a:rPr lang="en-US" sz="4800" b="1" dirty="0">
-                <a:ln w="9525">
-                  <a:solidFill>
-                    <a:schemeClr val="bg1"/>
-                  </a:solidFill>
-                  <a:prstDash val="solid"/>
-                </a:ln>
-                <a:solidFill>
-                  <a:schemeClr val="accent5"/>
-                </a:solidFill>
-                <a:effectLst>
-                  <a:outerShdw blurRad="12700" dist="38100" dir="2700000" algn="tl" rotWithShape="0">
-                    <a:schemeClr val="accent5">
-                      <a:lumMod val="60000"/>
-                      <a:lumOff val="40000"/>
-                    </a:schemeClr>
-                  </a:outerShdw>
-                </a:effectLst>
-                <a:latin typeface="Verdana" panose="020B0604030504040204" pitchFamily="34" charset="0"/>
-                <a:ea typeface="Verdana" panose="020B0604030504040204" pitchFamily="34" charset="0"/>
-              </a:rPr>
-              <a:t>on WSL on Windows 10</a:t>
-            </a:r>
-          </a:p>
-        </p:txBody>
-      </p:sp>
+              </a:rPr>
+              <a:t>Q &amp; A</a:t>
+            </a:r>
+          </a:p>
+        </p:txBody>
+      </p:sp>
+      <p:pic>
+        <p:nvPicPr>
+          <p:cNvPr id="10" name="Picture 9">
+            <a:extLst>
+              <a:ext uri="{FF2B5EF4-FFF2-40B4-BE49-F238E27FC236}">
+                <a16:creationId xmlns:a16="http://schemas.microsoft.com/office/drawing/2014/main" id="{813E3CE3-3591-4345-90F1-32ACB01A7F96}"/>
+              </a:ext>
+            </a:extLst>
+          </p:cNvPr>
+          <p:cNvPicPr>
+            <a:picLocks noChangeAspect="1"/>
+          </p:cNvPicPr>
+          <p:nvPr/>
+        </p:nvPicPr>
+        <p:blipFill>
+          <a:blip r:embed="rId2" cstate="print">
+            <a:extLst>
+              <a:ext uri="{28A0092B-C50C-407E-A947-70E740481C1C}">
+                <a14:useLocalDpi xmlns:a14="http://schemas.microsoft.com/office/drawing/2010/main" val="0"/>
+              </a:ext>
+            </a:extLst>
+          </a:blip>
+          <a:stretch>
+            <a:fillRect/>
+          </a:stretch>
+        </p:blipFill>
+        <p:spPr>
+          <a:xfrm>
+            <a:off x="133897" y="633074"/>
+            <a:ext cx="2121352" cy="1117894"/>
+          </a:xfrm>
+          <a:prstGeom prst="rect">
+            <a:avLst/>
+          </a:prstGeom>
+        </p:spPr>
+      </p:pic>
     </p:spTree>
     <p:extLst>
       <p:ext uri="{BB962C8B-B14F-4D97-AF65-F5344CB8AC3E}">
-        <p14:creationId xmlns:p14="http://schemas.microsoft.com/office/powerpoint/2010/main" val="2303991441"/>
+        <p14:creationId xmlns:p14="http://schemas.microsoft.com/office/powerpoint/2010/main" val="2536284009"/>
       </p:ext>
     </p:extLst>
   </p:cSld>
@@ -6073,13 +5808,6 @@
           <a:lstStyle/>
           <a:p>
             <a:pPr algn="ctr"/>
-            <a:r>
-              <a:rPr lang="en-US" dirty="0">
-                <a:latin typeface="Verdana" panose="020B0604030504040204" pitchFamily="34" charset="0"/>
-                <a:ea typeface="Verdana" panose="020B0604030504040204" pitchFamily="34" charset="0"/>
-              </a:rPr>
-              <a:t>What is next?</a:t>
-            </a:r>
             <a:endParaRPr lang="en-IN" dirty="0">
               <a:latin typeface="Verdana" panose="020B0604030504040204" pitchFamily="34" charset="0"/>
               <a:ea typeface="Verdana" panose="020B0604030504040204" pitchFamily="34" charset="0"/>
@@ -6173,7 +5901,7 @@
                 <a:latin typeface="Verdana" panose="020B0604030504040204" pitchFamily="34" charset="0"/>
                 <a:ea typeface="Verdana" panose="020B0604030504040204" pitchFamily="34" charset="0"/>
               </a:rPr>
-              <a:t>06-Jun-2020</a:t>
+              <a:t>12-Jun-2020</a:t>
             </a:r>
           </a:p>
         </p:txBody>
@@ -6213,1065 +5941,6 @@
                 <a:ea typeface="Verdana" panose="020B0604030504040204" pitchFamily="34" charset="0"/>
               </a:rPr>
               <a:t>13</a:t>
-            </a:fld>
-            <a:endParaRPr lang="en-IN" b="1" dirty="0">
-              <a:solidFill>
-                <a:srgbClr val="002060"/>
-              </a:solidFill>
-              <a:latin typeface="Verdana" panose="020B0604030504040204" pitchFamily="34" charset="0"/>
-              <a:ea typeface="Verdana" panose="020B0604030504040204" pitchFamily="34" charset="0"/>
-            </a:endParaRPr>
-          </a:p>
-        </p:txBody>
-      </p:sp>
-      <p:sp>
-        <p:nvSpPr>
-          <p:cNvPr id="12" name="Footer Placeholder 7">
-            <a:extLst>
-              <a:ext uri="{FF2B5EF4-FFF2-40B4-BE49-F238E27FC236}">
-                <a16:creationId xmlns:a16="http://schemas.microsoft.com/office/drawing/2014/main" id="{64C57949-E349-47D3-A505-A098233AF49D}"/>
-              </a:ext>
-            </a:extLst>
-          </p:cNvPr>
-          <p:cNvSpPr txBox="1">
-            <a:spLocks/>
-          </p:cNvSpPr>
-          <p:nvPr/>
-        </p:nvSpPr>
-        <p:spPr>
-          <a:xfrm>
-            <a:off x="133897" y="6428848"/>
-            <a:ext cx="4114800" cy="365125"/>
-          </a:xfrm>
-          <a:prstGeom prst="rect">
-            <a:avLst/>
-          </a:prstGeom>
-        </p:spPr>
-        <p:txBody>
-          <a:bodyPr vert="horz" lIns="91440" tIns="45720" rIns="91440" bIns="45720" rtlCol="0" anchor="ctr"/>
-          <a:lstStyle>
-            <a:defPPr>
-              <a:defRPr lang="en-US"/>
-            </a:defPPr>
-            <a:lvl1pPr marL="0" algn="ctr" defTabSz="914400" rtl="0" eaLnBrk="1" latinLnBrk="0" hangingPunct="1">
-              <a:defRPr sz="1200" kern="1200">
-                <a:solidFill>
-                  <a:schemeClr val="tx1">
-                    <a:tint val="75000"/>
-                  </a:schemeClr>
-                </a:solidFill>
-                <a:latin typeface="+mn-lt"/>
-                <a:ea typeface="+mn-ea"/>
-                <a:cs typeface="+mn-cs"/>
-              </a:defRPr>
-            </a:lvl1pPr>
-            <a:lvl2pPr marL="457200" algn="l" defTabSz="914400" rtl="0" eaLnBrk="1" latinLnBrk="0" hangingPunct="1">
-              <a:defRPr sz="1800" kern="1200">
-                <a:solidFill>
-                  <a:schemeClr val="tx1"/>
-                </a:solidFill>
-                <a:latin typeface="+mn-lt"/>
-                <a:ea typeface="+mn-ea"/>
-                <a:cs typeface="+mn-cs"/>
-              </a:defRPr>
-            </a:lvl2pPr>
-            <a:lvl3pPr marL="914400" algn="l" defTabSz="914400" rtl="0" eaLnBrk="1" latinLnBrk="0" hangingPunct="1">
-              <a:defRPr sz="1800" kern="1200">
-                <a:solidFill>
-                  <a:schemeClr val="tx1"/>
-                </a:solidFill>
-                <a:latin typeface="+mn-lt"/>
-                <a:ea typeface="+mn-ea"/>
-                <a:cs typeface="+mn-cs"/>
-              </a:defRPr>
-            </a:lvl3pPr>
-            <a:lvl4pPr marL="1371600" algn="l" defTabSz="914400" rtl="0" eaLnBrk="1" latinLnBrk="0" hangingPunct="1">
-              <a:defRPr sz="1800" kern="1200">
-                <a:solidFill>
-                  <a:schemeClr val="tx1"/>
-                </a:solidFill>
-                <a:latin typeface="+mn-lt"/>
-                <a:ea typeface="+mn-ea"/>
-                <a:cs typeface="+mn-cs"/>
-              </a:defRPr>
-            </a:lvl4pPr>
-            <a:lvl5pPr marL="1828800" algn="l" defTabSz="914400" rtl="0" eaLnBrk="1" latinLnBrk="0" hangingPunct="1">
-              <a:defRPr sz="1800" kern="1200">
-                <a:solidFill>
-                  <a:schemeClr val="tx1"/>
-                </a:solidFill>
-                <a:latin typeface="+mn-lt"/>
-                <a:ea typeface="+mn-ea"/>
-                <a:cs typeface="+mn-cs"/>
-              </a:defRPr>
-            </a:lvl5pPr>
-            <a:lvl6pPr marL="2286000" algn="l" defTabSz="914400" rtl="0" eaLnBrk="1" latinLnBrk="0" hangingPunct="1">
-              <a:defRPr sz="1800" kern="1200">
-                <a:solidFill>
-                  <a:schemeClr val="tx1"/>
-                </a:solidFill>
-                <a:latin typeface="+mn-lt"/>
-                <a:ea typeface="+mn-ea"/>
-                <a:cs typeface="+mn-cs"/>
-              </a:defRPr>
-            </a:lvl6pPr>
-            <a:lvl7pPr marL="2743200" algn="l" defTabSz="914400" rtl="0" eaLnBrk="1" latinLnBrk="0" hangingPunct="1">
-              <a:defRPr sz="1800" kern="1200">
-                <a:solidFill>
-                  <a:schemeClr val="tx1"/>
-                </a:solidFill>
-                <a:latin typeface="+mn-lt"/>
-                <a:ea typeface="+mn-ea"/>
-                <a:cs typeface="+mn-cs"/>
-              </a:defRPr>
-            </a:lvl7pPr>
-            <a:lvl8pPr marL="3200400" algn="l" defTabSz="914400" rtl="0" eaLnBrk="1" latinLnBrk="0" hangingPunct="1">
-              <a:defRPr sz="1800" kern="1200">
-                <a:solidFill>
-                  <a:schemeClr val="tx1"/>
-                </a:solidFill>
-                <a:latin typeface="+mn-lt"/>
-                <a:ea typeface="+mn-ea"/>
-                <a:cs typeface="+mn-cs"/>
-              </a:defRPr>
-            </a:lvl8pPr>
-            <a:lvl9pPr marL="3657600" algn="l" defTabSz="914400" rtl="0" eaLnBrk="1" latinLnBrk="0" hangingPunct="1">
-              <a:defRPr sz="1800" kern="1200">
-                <a:solidFill>
-                  <a:schemeClr val="tx1"/>
-                </a:solidFill>
-                <a:latin typeface="+mn-lt"/>
-                <a:ea typeface="+mn-ea"/>
-                <a:cs typeface="+mn-cs"/>
-              </a:defRPr>
-            </a:lvl9pPr>
-          </a:lstStyle>
-          <a:p>
-            <a:r>
-              <a:rPr lang="en-IN" b="1" dirty="0">
-                <a:solidFill>
-                  <a:srgbClr val="002060"/>
-                </a:solidFill>
-                <a:latin typeface="Verdana" panose="020B0604030504040204" pitchFamily="34" charset="0"/>
-                <a:ea typeface="Verdana" panose="020B0604030504040204" pitchFamily="34" charset="0"/>
-              </a:rPr>
-              <a:t>XMonkeys360</a:t>
-            </a:r>
-          </a:p>
-        </p:txBody>
-      </p:sp>
-      <p:pic>
-        <p:nvPicPr>
-          <p:cNvPr id="10" name="Picture 9">
-            <a:extLst>
-              <a:ext uri="{FF2B5EF4-FFF2-40B4-BE49-F238E27FC236}">
-                <a16:creationId xmlns:a16="http://schemas.microsoft.com/office/drawing/2014/main" id="{813E3CE3-3591-4345-90F1-32ACB01A7F96}"/>
-              </a:ext>
-            </a:extLst>
-          </p:cNvPr>
-          <p:cNvPicPr>
-            <a:picLocks noChangeAspect="1"/>
-          </p:cNvPicPr>
-          <p:nvPr/>
-        </p:nvPicPr>
-        <p:blipFill>
-          <a:blip r:embed="rId2" cstate="print">
-            <a:extLst>
-              <a:ext uri="{28A0092B-C50C-407E-A947-70E740481C1C}">
-                <a14:useLocalDpi xmlns:a14="http://schemas.microsoft.com/office/drawing/2010/main" val="0"/>
-              </a:ext>
-            </a:extLst>
-          </a:blip>
-          <a:stretch>
-            <a:fillRect/>
-          </a:stretch>
-        </p:blipFill>
-        <p:spPr>
-          <a:xfrm>
-            <a:off x="133897" y="633074"/>
-            <a:ext cx="2121352" cy="1117894"/>
-          </a:xfrm>
-          <a:prstGeom prst="rect">
-            <a:avLst/>
-          </a:prstGeom>
-        </p:spPr>
-      </p:pic>
-      <p:sp>
-        <p:nvSpPr>
-          <p:cNvPr id="13" name="TextBox 12">
-            <a:extLst>
-              <a:ext uri="{FF2B5EF4-FFF2-40B4-BE49-F238E27FC236}">
-                <a16:creationId xmlns:a16="http://schemas.microsoft.com/office/drawing/2014/main" id="{C93F71B2-BF87-46E1-B2C0-A074AD4881C2}"/>
-              </a:ext>
-            </a:extLst>
-          </p:cNvPr>
-          <p:cNvSpPr txBox="1"/>
-          <p:nvPr/>
-        </p:nvSpPr>
-        <p:spPr>
-          <a:xfrm>
-            <a:off x="80629" y="1898354"/>
-            <a:ext cx="12037390" cy="3415615"/>
-          </a:xfrm>
-          <a:prstGeom prst="rect">
-            <a:avLst/>
-          </a:prstGeom>
-          <a:noFill/>
-        </p:spPr>
-        <p:txBody>
-          <a:bodyPr wrap="square" rtlCol="0">
-            <a:spAutoFit/>
-          </a:bodyPr>
-          <a:lstStyle/>
-          <a:p>
-            <a:pPr>
-              <a:lnSpc>
-                <a:spcPct val="200000"/>
-              </a:lnSpc>
-            </a:pPr>
-            <a:r>
-              <a:rPr lang="en-US" sz="2000" dirty="0">
-                <a:solidFill>
-                  <a:srgbClr val="002060"/>
-                </a:solidFill>
-                <a:latin typeface="Verdana" panose="020B0604030504040204" pitchFamily="34" charset="0"/>
-                <a:ea typeface="Verdana" panose="020B0604030504040204" pitchFamily="34" charset="0"/>
-              </a:rPr>
-              <a:t>What we will discuss in next session (</a:t>
-            </a:r>
-            <a:r>
-              <a:rPr lang="en-US" sz="2000" b="1" dirty="0">
-                <a:solidFill>
-                  <a:srgbClr val="0070C0"/>
-                </a:solidFill>
-                <a:latin typeface="Verdana" panose="020B0604030504040204" pitchFamily="34" charset="0"/>
-                <a:ea typeface="Verdana" panose="020B0604030504040204" pitchFamily="34" charset="0"/>
-              </a:rPr>
-              <a:t>20-Jun-2020</a:t>
-            </a:r>
-            <a:r>
-              <a:rPr lang="en-US" sz="2000" dirty="0">
-                <a:solidFill>
-                  <a:srgbClr val="002060"/>
-                </a:solidFill>
-                <a:latin typeface="Verdana" panose="020B0604030504040204" pitchFamily="34" charset="0"/>
-                <a:ea typeface="Verdana" panose="020B0604030504040204" pitchFamily="34" charset="0"/>
-              </a:rPr>
-              <a:t>) ….</a:t>
-            </a:r>
-          </a:p>
-          <a:p>
-            <a:pPr marL="628650" lvl="1" indent="-171450">
-              <a:lnSpc>
-                <a:spcPct val="150000"/>
-              </a:lnSpc>
-              <a:buFont typeface="Wingdings" panose="05000000000000000000" pitchFamily="2" charset="2"/>
-              <a:buChar char="Ø"/>
-            </a:pPr>
-            <a:r>
-              <a:rPr lang="en-US" sz="2000" dirty="0">
-                <a:solidFill>
-                  <a:srgbClr val="002060"/>
-                </a:solidFill>
-                <a:latin typeface="Verdana" panose="020B0604030504040204" pitchFamily="34" charset="0"/>
-                <a:ea typeface="Verdana" panose="020B0604030504040204" pitchFamily="34" charset="0"/>
-              </a:rPr>
-              <a:t> Adding Console Logging into gRPC Server and Client.</a:t>
-            </a:r>
-          </a:p>
-          <a:p>
-            <a:pPr marL="628650" lvl="1" indent="-171450">
-              <a:lnSpc>
-                <a:spcPct val="150000"/>
-              </a:lnSpc>
-              <a:buFont typeface="Wingdings" panose="05000000000000000000" pitchFamily="2" charset="2"/>
-              <a:buChar char="Ø"/>
-            </a:pPr>
-            <a:r>
-              <a:rPr lang="en-US" sz="2000" dirty="0">
-                <a:solidFill>
-                  <a:srgbClr val="002060"/>
-                </a:solidFill>
-                <a:latin typeface="Verdana" panose="020B0604030504040204" pitchFamily="34" charset="0"/>
-                <a:ea typeface="Verdana" panose="020B0604030504040204" pitchFamily="34" charset="0"/>
-              </a:rPr>
-              <a:t> Adding Error Handling into gRPC Server and Client.</a:t>
-            </a:r>
-          </a:p>
-          <a:p>
-            <a:pPr marL="628650" lvl="1" indent="-171450">
-              <a:lnSpc>
-                <a:spcPct val="150000"/>
-              </a:lnSpc>
-              <a:buFont typeface="Wingdings" panose="05000000000000000000" pitchFamily="2" charset="2"/>
-              <a:buChar char="Ø"/>
-            </a:pPr>
-            <a:r>
-              <a:rPr lang="en-US" sz="2000" dirty="0">
-                <a:solidFill>
-                  <a:srgbClr val="002060"/>
-                </a:solidFill>
-                <a:latin typeface="Verdana" panose="020B0604030504040204" pitchFamily="34" charset="0"/>
-                <a:ea typeface="Verdana" panose="020B0604030504040204" pitchFamily="34" charset="0"/>
-              </a:rPr>
-              <a:t> Adding gRPC service inside an existing ASP.Net Core Web API.</a:t>
-            </a:r>
-          </a:p>
-          <a:p>
-            <a:pPr marL="628650" lvl="1" indent="-171450">
-              <a:lnSpc>
-                <a:spcPct val="150000"/>
-              </a:lnSpc>
-              <a:buFont typeface="Wingdings" panose="05000000000000000000" pitchFamily="2" charset="2"/>
-              <a:buChar char="Ø"/>
-            </a:pPr>
-            <a:r>
-              <a:rPr lang="en-US" sz="2000" dirty="0">
-                <a:solidFill>
-                  <a:srgbClr val="002060"/>
-                </a:solidFill>
-                <a:latin typeface="Verdana" panose="020B0604030504040204" pitchFamily="34" charset="0"/>
-                <a:ea typeface="Verdana" panose="020B0604030504040204" pitchFamily="34" charset="0"/>
-              </a:rPr>
-              <a:t> Implement console application as a client for gRPC inside ASP.Net Core Web API.</a:t>
-            </a:r>
-          </a:p>
-          <a:p>
-            <a:pPr marL="628650" lvl="1" indent="-171450">
-              <a:lnSpc>
-                <a:spcPct val="150000"/>
-              </a:lnSpc>
-              <a:buFont typeface="Wingdings" panose="05000000000000000000" pitchFamily="2" charset="2"/>
-              <a:buChar char="Ø"/>
-            </a:pPr>
-            <a:r>
-              <a:rPr lang="en-US" sz="2000" dirty="0">
-                <a:solidFill>
-                  <a:srgbClr val="002060"/>
-                </a:solidFill>
-                <a:latin typeface="Verdana" panose="020B0604030504040204" pitchFamily="34" charset="0"/>
-                <a:ea typeface="Verdana" panose="020B0604030504040204" pitchFamily="34" charset="0"/>
-              </a:rPr>
-              <a:t> Adding gRPC Client inside an existing ASP.Net Core Web API. [This Web API Acts as Server and Client]</a:t>
-            </a:r>
-          </a:p>
-        </p:txBody>
-      </p:sp>
-      <p:sp>
-        <p:nvSpPr>
-          <p:cNvPr id="5" name="Rectangle 4">
-            <a:extLst>
-              <a:ext uri="{FF2B5EF4-FFF2-40B4-BE49-F238E27FC236}">
-                <a16:creationId xmlns:a16="http://schemas.microsoft.com/office/drawing/2014/main" id="{11B56C48-04D4-42D7-A892-61E969B93239}"/>
-              </a:ext>
-            </a:extLst>
-          </p:cNvPr>
-          <p:cNvSpPr/>
-          <p:nvPr/>
-        </p:nvSpPr>
-        <p:spPr>
-          <a:xfrm>
-            <a:off x="2794573" y="829156"/>
-            <a:ext cx="6609502" cy="923330"/>
-          </a:xfrm>
-          <a:prstGeom prst="rect">
-            <a:avLst/>
-          </a:prstGeom>
-          <a:noFill/>
-        </p:spPr>
-        <p:txBody>
-          <a:bodyPr wrap="none" lIns="91440" tIns="45720" rIns="91440" bIns="45720">
-            <a:spAutoFit/>
-            <a:scene3d>
-              <a:camera prst="orthographicFront"/>
-              <a:lightRig rig="soft" dir="t">
-                <a:rot lat="0" lon="0" rev="15600000"/>
-              </a:lightRig>
-            </a:scene3d>
-            <a:sp3d extrusionH="57150" prstMaterial="softEdge">
-              <a:bevelT w="25400" h="38100"/>
-            </a:sp3d>
-          </a:bodyPr>
-          <a:lstStyle/>
-          <a:p>
-            <a:pPr algn="ctr"/>
-            <a:r>
-              <a:rPr lang="en-US" sz="5400" b="1" cap="none" spc="0" dirty="0">
-                <a:ln/>
-                <a:solidFill>
-                  <a:schemeClr val="accent4"/>
-                </a:solidFill>
-                <a:effectLst/>
-                <a:latin typeface="Verdana" panose="020B0604030504040204" pitchFamily="34" charset="0"/>
-                <a:ea typeface="Verdana" panose="020B0604030504040204" pitchFamily="34" charset="0"/>
-              </a:rPr>
-              <a:t>What is next ???</a:t>
-            </a:r>
-            <a:endParaRPr lang="en-IN" sz="5400" b="1" cap="none" spc="0" dirty="0">
-              <a:ln/>
-              <a:solidFill>
-                <a:schemeClr val="accent4"/>
-              </a:solidFill>
-              <a:effectLst/>
-              <a:latin typeface="Verdana" panose="020B0604030504040204" pitchFamily="34" charset="0"/>
-              <a:ea typeface="Verdana" panose="020B0604030504040204" pitchFamily="34" charset="0"/>
-            </a:endParaRPr>
-          </a:p>
-        </p:txBody>
-      </p:sp>
-    </p:spTree>
-    <p:extLst>
-      <p:ext uri="{BB962C8B-B14F-4D97-AF65-F5344CB8AC3E}">
-        <p14:creationId xmlns:p14="http://schemas.microsoft.com/office/powerpoint/2010/main" val="3499439994"/>
-      </p:ext>
-    </p:extLst>
-  </p:cSld>
-  <p:clrMapOvr>
-    <a:masterClrMapping/>
-  </p:clrMapOvr>
-</p:sld>
-</file>
-
-<file path=ppt/slides/slide14.xml><?xml version="1.0" encoding="utf-8"?>
-<p:sld xmlns:a="http://schemas.openxmlformats.org/drawingml/2006/main" xmlns:r="http://schemas.openxmlformats.org/officeDocument/2006/relationships" xmlns:p="http://schemas.openxmlformats.org/presentationml/2006/main">
-  <p:cSld>
-    <p:spTree>
-      <p:nvGrpSpPr>
-        <p:cNvPr id="1" name=""/>
-        <p:cNvGrpSpPr/>
-        <p:nvPr/>
-      </p:nvGrpSpPr>
-      <p:grpSpPr>
-        <a:xfrm>
-          <a:off x="0" y="0"/>
-          <a:ext cx="0" cy="0"/>
-          <a:chOff x="0" y="0"/>
-          <a:chExt cx="0" cy="0"/>
-        </a:xfrm>
-      </p:grpSpPr>
-      <p:sp>
-        <p:nvSpPr>
-          <p:cNvPr id="4" name="Rectangle 3">
-            <a:extLst>
-              <a:ext uri="{FF2B5EF4-FFF2-40B4-BE49-F238E27FC236}">
-                <a16:creationId xmlns:a16="http://schemas.microsoft.com/office/drawing/2014/main" id="{055C22F7-3FD1-4C1B-8D0C-0C2F7FB61DBE}"/>
-              </a:ext>
-            </a:extLst>
-          </p:cNvPr>
-          <p:cNvSpPr/>
-          <p:nvPr/>
-        </p:nvSpPr>
-        <p:spPr>
-          <a:xfrm>
-            <a:off x="0" y="8878"/>
-            <a:ext cx="12183122" cy="497150"/>
-          </a:xfrm>
-          <a:prstGeom prst="rect">
-            <a:avLst/>
-          </a:prstGeom>
-          <a:solidFill>
-            <a:srgbClr val="0070C0"/>
-          </a:solidFill>
-        </p:spPr>
-        <p:style>
-          <a:lnRef idx="2">
-            <a:schemeClr val="accent1">
-              <a:shade val="50000"/>
-            </a:schemeClr>
-          </a:lnRef>
-          <a:fillRef idx="1">
-            <a:schemeClr val="accent1"/>
-          </a:fillRef>
-          <a:effectRef idx="0">
-            <a:schemeClr val="accent1"/>
-          </a:effectRef>
-          <a:fontRef idx="minor">
-            <a:schemeClr val="lt1"/>
-          </a:fontRef>
-        </p:style>
-        <p:txBody>
-          <a:bodyPr rtlCol="0" anchor="ctr"/>
-          <a:lstStyle/>
-          <a:p>
-            <a:pPr algn="ctr"/>
-            <a:endParaRPr lang="en-IN" dirty="0">
-              <a:latin typeface="Verdana" panose="020B0604030504040204" pitchFamily="34" charset="0"/>
-              <a:ea typeface="Verdana" panose="020B0604030504040204" pitchFamily="34" charset="0"/>
-            </a:endParaRPr>
-          </a:p>
-        </p:txBody>
-      </p:sp>
-      <p:sp>
-        <p:nvSpPr>
-          <p:cNvPr id="7" name="Rectangle 6">
-            <a:extLst>
-              <a:ext uri="{FF2B5EF4-FFF2-40B4-BE49-F238E27FC236}">
-                <a16:creationId xmlns:a16="http://schemas.microsoft.com/office/drawing/2014/main" id="{B10720DE-FD2A-4FE5-B9FB-74854D01A659}"/>
-              </a:ext>
-            </a:extLst>
-          </p:cNvPr>
-          <p:cNvSpPr/>
-          <p:nvPr/>
-        </p:nvSpPr>
-        <p:spPr>
-          <a:xfrm>
-            <a:off x="0" y="6383046"/>
-            <a:ext cx="12183122" cy="57703"/>
-          </a:xfrm>
-          <a:prstGeom prst="rect">
-            <a:avLst/>
-          </a:prstGeom>
-          <a:solidFill>
-            <a:srgbClr val="0070C0"/>
-          </a:solidFill>
-        </p:spPr>
-        <p:style>
-          <a:lnRef idx="2">
-            <a:schemeClr val="accent1">
-              <a:shade val="50000"/>
-            </a:schemeClr>
-          </a:lnRef>
-          <a:fillRef idx="1">
-            <a:schemeClr val="accent1"/>
-          </a:fillRef>
-          <a:effectRef idx="0">
-            <a:schemeClr val="accent1"/>
-          </a:effectRef>
-          <a:fontRef idx="minor">
-            <a:schemeClr val="lt1"/>
-          </a:fontRef>
-        </p:style>
-        <p:txBody>
-          <a:bodyPr rtlCol="0" anchor="ctr"/>
-          <a:lstStyle/>
-          <a:p>
-            <a:pPr algn="ctr"/>
-            <a:endParaRPr lang="en-IN" sz="1000" dirty="0">
-              <a:latin typeface="Verdana" panose="020B0604030504040204" pitchFamily="34" charset="0"/>
-              <a:ea typeface="Verdana" panose="020B0604030504040204" pitchFamily="34" charset="0"/>
-            </a:endParaRPr>
-          </a:p>
-        </p:txBody>
-      </p:sp>
-      <p:sp>
-        <p:nvSpPr>
-          <p:cNvPr id="8" name="Footer Placeholder 7">
-            <a:extLst>
-              <a:ext uri="{FF2B5EF4-FFF2-40B4-BE49-F238E27FC236}">
-                <a16:creationId xmlns:a16="http://schemas.microsoft.com/office/drawing/2014/main" id="{DD2A19CA-EC18-432D-8F8F-17079808F38B}"/>
-              </a:ext>
-            </a:extLst>
-          </p:cNvPr>
-          <p:cNvSpPr>
-            <a:spLocks noGrp="1"/>
-          </p:cNvSpPr>
-          <p:nvPr>
-            <p:ph type="ftr" sz="quarter" idx="11"/>
-          </p:nvPr>
-        </p:nvSpPr>
-        <p:spPr>
-          <a:xfrm>
-            <a:off x="4038600" y="6427374"/>
-            <a:ext cx="4114800" cy="365125"/>
-          </a:xfrm>
-        </p:spPr>
-        <p:txBody>
-          <a:bodyPr/>
-          <a:lstStyle/>
-          <a:p>
-            <a:r>
-              <a:rPr lang="en-IN" b="1" dirty="0">
-                <a:solidFill>
-                  <a:srgbClr val="002060"/>
-                </a:solidFill>
-                <a:latin typeface="Verdana" panose="020B0604030504040204" pitchFamily="34" charset="0"/>
-                <a:ea typeface="Verdana" panose="020B0604030504040204" pitchFamily="34" charset="0"/>
-              </a:rPr>
-              <a:t>06-Jun-2020</a:t>
-            </a:r>
-          </a:p>
-        </p:txBody>
-      </p:sp>
-      <p:sp>
-        <p:nvSpPr>
-          <p:cNvPr id="9" name="Slide Number Placeholder 8">
-            <a:extLst>
-              <a:ext uri="{FF2B5EF4-FFF2-40B4-BE49-F238E27FC236}">
-                <a16:creationId xmlns:a16="http://schemas.microsoft.com/office/drawing/2014/main" id="{8162625C-0B1F-42E0-BE7C-D99A08FED7A3}"/>
-              </a:ext>
-            </a:extLst>
-          </p:cNvPr>
-          <p:cNvSpPr>
-            <a:spLocks noGrp="1"/>
-          </p:cNvSpPr>
-          <p:nvPr>
-            <p:ph type="sldNum" sz="quarter" idx="12"/>
-          </p:nvPr>
-        </p:nvSpPr>
-        <p:spPr>
-          <a:xfrm>
-            <a:off x="8610600" y="6427374"/>
-            <a:ext cx="2743200" cy="365125"/>
-          </a:xfrm>
-        </p:spPr>
-        <p:txBody>
-          <a:bodyPr/>
-          <a:lstStyle/>
-          <a:p>
-            <a:fld id="{30AF63FB-5233-4811-A918-B572E3A55817}" type="slidenum">
-              <a:rPr lang="en-IN" b="1" smtClean="0">
-                <a:solidFill>
-                  <a:srgbClr val="002060"/>
-                </a:solidFill>
-                <a:latin typeface="Verdana" panose="020B0604030504040204" pitchFamily="34" charset="0"/>
-                <a:ea typeface="Verdana" panose="020B0604030504040204" pitchFamily="34" charset="0"/>
-              </a:rPr>
-              <a:t>14</a:t>
-            </a:fld>
-            <a:endParaRPr lang="en-IN" b="1" dirty="0">
-              <a:solidFill>
-                <a:srgbClr val="002060"/>
-              </a:solidFill>
-              <a:latin typeface="Verdana" panose="020B0604030504040204" pitchFamily="34" charset="0"/>
-              <a:ea typeface="Verdana" panose="020B0604030504040204" pitchFamily="34" charset="0"/>
-            </a:endParaRPr>
-          </a:p>
-        </p:txBody>
-      </p:sp>
-      <p:sp>
-        <p:nvSpPr>
-          <p:cNvPr id="12" name="Footer Placeholder 7">
-            <a:extLst>
-              <a:ext uri="{FF2B5EF4-FFF2-40B4-BE49-F238E27FC236}">
-                <a16:creationId xmlns:a16="http://schemas.microsoft.com/office/drawing/2014/main" id="{64C57949-E349-47D3-A505-A098233AF49D}"/>
-              </a:ext>
-            </a:extLst>
-          </p:cNvPr>
-          <p:cNvSpPr txBox="1">
-            <a:spLocks/>
-          </p:cNvSpPr>
-          <p:nvPr/>
-        </p:nvSpPr>
-        <p:spPr>
-          <a:xfrm>
-            <a:off x="133897" y="6428848"/>
-            <a:ext cx="4114800" cy="365125"/>
-          </a:xfrm>
-          <a:prstGeom prst="rect">
-            <a:avLst/>
-          </a:prstGeom>
-        </p:spPr>
-        <p:txBody>
-          <a:bodyPr vert="horz" lIns="91440" tIns="45720" rIns="91440" bIns="45720" rtlCol="0" anchor="ctr"/>
-          <a:lstStyle>
-            <a:defPPr>
-              <a:defRPr lang="en-US"/>
-            </a:defPPr>
-            <a:lvl1pPr marL="0" algn="ctr" defTabSz="914400" rtl="0" eaLnBrk="1" latinLnBrk="0" hangingPunct="1">
-              <a:defRPr sz="1200" kern="1200">
-                <a:solidFill>
-                  <a:schemeClr val="tx1">
-                    <a:tint val="75000"/>
-                  </a:schemeClr>
-                </a:solidFill>
-                <a:latin typeface="+mn-lt"/>
-                <a:ea typeface="+mn-ea"/>
-                <a:cs typeface="+mn-cs"/>
-              </a:defRPr>
-            </a:lvl1pPr>
-            <a:lvl2pPr marL="457200" algn="l" defTabSz="914400" rtl="0" eaLnBrk="1" latinLnBrk="0" hangingPunct="1">
-              <a:defRPr sz="1800" kern="1200">
-                <a:solidFill>
-                  <a:schemeClr val="tx1"/>
-                </a:solidFill>
-                <a:latin typeface="+mn-lt"/>
-                <a:ea typeface="+mn-ea"/>
-                <a:cs typeface="+mn-cs"/>
-              </a:defRPr>
-            </a:lvl2pPr>
-            <a:lvl3pPr marL="914400" algn="l" defTabSz="914400" rtl="0" eaLnBrk="1" latinLnBrk="0" hangingPunct="1">
-              <a:defRPr sz="1800" kern="1200">
-                <a:solidFill>
-                  <a:schemeClr val="tx1"/>
-                </a:solidFill>
-                <a:latin typeface="+mn-lt"/>
-                <a:ea typeface="+mn-ea"/>
-                <a:cs typeface="+mn-cs"/>
-              </a:defRPr>
-            </a:lvl3pPr>
-            <a:lvl4pPr marL="1371600" algn="l" defTabSz="914400" rtl="0" eaLnBrk="1" latinLnBrk="0" hangingPunct="1">
-              <a:defRPr sz="1800" kern="1200">
-                <a:solidFill>
-                  <a:schemeClr val="tx1"/>
-                </a:solidFill>
-                <a:latin typeface="+mn-lt"/>
-                <a:ea typeface="+mn-ea"/>
-                <a:cs typeface="+mn-cs"/>
-              </a:defRPr>
-            </a:lvl4pPr>
-            <a:lvl5pPr marL="1828800" algn="l" defTabSz="914400" rtl="0" eaLnBrk="1" latinLnBrk="0" hangingPunct="1">
-              <a:defRPr sz="1800" kern="1200">
-                <a:solidFill>
-                  <a:schemeClr val="tx1"/>
-                </a:solidFill>
-                <a:latin typeface="+mn-lt"/>
-                <a:ea typeface="+mn-ea"/>
-                <a:cs typeface="+mn-cs"/>
-              </a:defRPr>
-            </a:lvl5pPr>
-            <a:lvl6pPr marL="2286000" algn="l" defTabSz="914400" rtl="0" eaLnBrk="1" latinLnBrk="0" hangingPunct="1">
-              <a:defRPr sz="1800" kern="1200">
-                <a:solidFill>
-                  <a:schemeClr val="tx1"/>
-                </a:solidFill>
-                <a:latin typeface="+mn-lt"/>
-                <a:ea typeface="+mn-ea"/>
-                <a:cs typeface="+mn-cs"/>
-              </a:defRPr>
-            </a:lvl6pPr>
-            <a:lvl7pPr marL="2743200" algn="l" defTabSz="914400" rtl="0" eaLnBrk="1" latinLnBrk="0" hangingPunct="1">
-              <a:defRPr sz="1800" kern="1200">
-                <a:solidFill>
-                  <a:schemeClr val="tx1"/>
-                </a:solidFill>
-                <a:latin typeface="+mn-lt"/>
-                <a:ea typeface="+mn-ea"/>
-                <a:cs typeface="+mn-cs"/>
-              </a:defRPr>
-            </a:lvl7pPr>
-            <a:lvl8pPr marL="3200400" algn="l" defTabSz="914400" rtl="0" eaLnBrk="1" latinLnBrk="0" hangingPunct="1">
-              <a:defRPr sz="1800" kern="1200">
-                <a:solidFill>
-                  <a:schemeClr val="tx1"/>
-                </a:solidFill>
-                <a:latin typeface="+mn-lt"/>
-                <a:ea typeface="+mn-ea"/>
-                <a:cs typeface="+mn-cs"/>
-              </a:defRPr>
-            </a:lvl8pPr>
-            <a:lvl9pPr marL="3657600" algn="l" defTabSz="914400" rtl="0" eaLnBrk="1" latinLnBrk="0" hangingPunct="1">
-              <a:defRPr sz="1800" kern="1200">
-                <a:solidFill>
-                  <a:schemeClr val="tx1"/>
-                </a:solidFill>
-                <a:latin typeface="+mn-lt"/>
-                <a:ea typeface="+mn-ea"/>
-                <a:cs typeface="+mn-cs"/>
-              </a:defRPr>
-            </a:lvl9pPr>
-          </a:lstStyle>
-          <a:p>
-            <a:r>
-              <a:rPr lang="en-IN" b="1" dirty="0">
-                <a:solidFill>
-                  <a:srgbClr val="002060"/>
-                </a:solidFill>
-                <a:latin typeface="Verdana" panose="020B0604030504040204" pitchFamily="34" charset="0"/>
-                <a:ea typeface="Verdana" panose="020B0604030504040204" pitchFamily="34" charset="0"/>
-              </a:rPr>
-              <a:t>XMonkeys360</a:t>
-            </a:r>
-          </a:p>
-        </p:txBody>
-      </p:sp>
-      <p:sp>
-        <p:nvSpPr>
-          <p:cNvPr id="11" name="Rectangle 10">
-            <a:extLst>
-              <a:ext uri="{FF2B5EF4-FFF2-40B4-BE49-F238E27FC236}">
-                <a16:creationId xmlns:a16="http://schemas.microsoft.com/office/drawing/2014/main" id="{D55098C6-1198-4DAB-B484-23DB1A599453}"/>
-              </a:ext>
-            </a:extLst>
-          </p:cNvPr>
-          <p:cNvSpPr/>
-          <p:nvPr/>
-        </p:nvSpPr>
-        <p:spPr>
-          <a:xfrm>
-            <a:off x="2816470" y="1919767"/>
-            <a:ext cx="6434775" cy="3154710"/>
-          </a:xfrm>
-          <a:prstGeom prst="rect">
-            <a:avLst/>
-          </a:prstGeom>
-          <a:noFill/>
-        </p:spPr>
-        <p:txBody>
-          <a:bodyPr wrap="none" lIns="91440" tIns="45720" rIns="91440" bIns="45720">
-            <a:spAutoFit/>
-          </a:bodyPr>
-          <a:lstStyle/>
-          <a:p>
-            <a:pPr algn="ctr"/>
-            <a:r>
-              <a:rPr lang="en-US" sz="19900" b="1" cap="none" spc="0" dirty="0">
-                <a:ln w="9525">
-                  <a:solidFill>
-                    <a:schemeClr val="bg1"/>
-                  </a:solidFill>
-                  <a:prstDash val="solid"/>
-                </a:ln>
-                <a:solidFill>
-                  <a:schemeClr val="accent5"/>
-                </a:solidFill>
-                <a:effectLst>
-                  <a:outerShdw blurRad="12700" dist="38100" dir="2700000" algn="tl" rotWithShape="0">
-                    <a:schemeClr val="accent5">
-                      <a:lumMod val="60000"/>
-                      <a:lumOff val="40000"/>
-                    </a:schemeClr>
-                  </a:outerShdw>
-                </a:effectLst>
-              </a:rPr>
-              <a:t>Q &amp; A</a:t>
-            </a:r>
-          </a:p>
-        </p:txBody>
-      </p:sp>
-      <p:pic>
-        <p:nvPicPr>
-          <p:cNvPr id="10" name="Picture 9">
-            <a:extLst>
-              <a:ext uri="{FF2B5EF4-FFF2-40B4-BE49-F238E27FC236}">
-                <a16:creationId xmlns:a16="http://schemas.microsoft.com/office/drawing/2014/main" id="{813E3CE3-3591-4345-90F1-32ACB01A7F96}"/>
-              </a:ext>
-            </a:extLst>
-          </p:cNvPr>
-          <p:cNvPicPr>
-            <a:picLocks noChangeAspect="1"/>
-          </p:cNvPicPr>
-          <p:nvPr/>
-        </p:nvPicPr>
-        <p:blipFill>
-          <a:blip r:embed="rId2" cstate="print">
-            <a:extLst>
-              <a:ext uri="{28A0092B-C50C-407E-A947-70E740481C1C}">
-                <a14:useLocalDpi xmlns:a14="http://schemas.microsoft.com/office/drawing/2010/main" val="0"/>
-              </a:ext>
-            </a:extLst>
-          </a:blip>
-          <a:stretch>
-            <a:fillRect/>
-          </a:stretch>
-        </p:blipFill>
-        <p:spPr>
-          <a:xfrm>
-            <a:off x="133897" y="633074"/>
-            <a:ext cx="2121352" cy="1117894"/>
-          </a:xfrm>
-          <a:prstGeom prst="rect">
-            <a:avLst/>
-          </a:prstGeom>
-        </p:spPr>
-      </p:pic>
-    </p:spTree>
-    <p:extLst>
-      <p:ext uri="{BB962C8B-B14F-4D97-AF65-F5344CB8AC3E}">
-        <p14:creationId xmlns:p14="http://schemas.microsoft.com/office/powerpoint/2010/main" val="2536284009"/>
-      </p:ext>
-    </p:extLst>
-  </p:cSld>
-  <p:clrMapOvr>
-    <a:masterClrMapping/>
-  </p:clrMapOvr>
-</p:sld>
-</file>
-
-<file path=ppt/slides/slide15.xml><?xml version="1.0" encoding="utf-8"?>
-<p:sld xmlns:a="http://schemas.openxmlformats.org/drawingml/2006/main" xmlns:r="http://schemas.openxmlformats.org/officeDocument/2006/relationships" xmlns:p="http://schemas.openxmlformats.org/presentationml/2006/main">
-  <p:cSld>
-    <p:spTree>
-      <p:nvGrpSpPr>
-        <p:cNvPr id="1" name=""/>
-        <p:cNvGrpSpPr/>
-        <p:nvPr/>
-      </p:nvGrpSpPr>
-      <p:grpSpPr>
-        <a:xfrm>
-          <a:off x="0" y="0"/>
-          <a:ext cx="0" cy="0"/>
-          <a:chOff x="0" y="0"/>
-          <a:chExt cx="0" cy="0"/>
-        </a:xfrm>
-      </p:grpSpPr>
-      <p:sp>
-        <p:nvSpPr>
-          <p:cNvPr id="4" name="Rectangle 3">
-            <a:extLst>
-              <a:ext uri="{FF2B5EF4-FFF2-40B4-BE49-F238E27FC236}">
-                <a16:creationId xmlns:a16="http://schemas.microsoft.com/office/drawing/2014/main" id="{055C22F7-3FD1-4C1B-8D0C-0C2F7FB61DBE}"/>
-              </a:ext>
-            </a:extLst>
-          </p:cNvPr>
-          <p:cNvSpPr/>
-          <p:nvPr/>
-        </p:nvSpPr>
-        <p:spPr>
-          <a:xfrm>
-            <a:off x="0" y="8878"/>
-            <a:ext cx="12183122" cy="497150"/>
-          </a:xfrm>
-          <a:prstGeom prst="rect">
-            <a:avLst/>
-          </a:prstGeom>
-          <a:solidFill>
-            <a:srgbClr val="0070C0"/>
-          </a:solidFill>
-        </p:spPr>
-        <p:style>
-          <a:lnRef idx="2">
-            <a:schemeClr val="accent1">
-              <a:shade val="50000"/>
-            </a:schemeClr>
-          </a:lnRef>
-          <a:fillRef idx="1">
-            <a:schemeClr val="accent1"/>
-          </a:fillRef>
-          <a:effectRef idx="0">
-            <a:schemeClr val="accent1"/>
-          </a:effectRef>
-          <a:fontRef idx="minor">
-            <a:schemeClr val="lt1"/>
-          </a:fontRef>
-        </p:style>
-        <p:txBody>
-          <a:bodyPr rtlCol="0" anchor="ctr"/>
-          <a:lstStyle/>
-          <a:p>
-            <a:pPr algn="ctr"/>
-            <a:endParaRPr lang="en-IN" dirty="0">
-              <a:latin typeface="Verdana" panose="020B0604030504040204" pitchFamily="34" charset="0"/>
-              <a:ea typeface="Verdana" panose="020B0604030504040204" pitchFamily="34" charset="0"/>
-            </a:endParaRPr>
-          </a:p>
-        </p:txBody>
-      </p:sp>
-      <p:sp>
-        <p:nvSpPr>
-          <p:cNvPr id="7" name="Rectangle 6">
-            <a:extLst>
-              <a:ext uri="{FF2B5EF4-FFF2-40B4-BE49-F238E27FC236}">
-                <a16:creationId xmlns:a16="http://schemas.microsoft.com/office/drawing/2014/main" id="{B10720DE-FD2A-4FE5-B9FB-74854D01A659}"/>
-              </a:ext>
-            </a:extLst>
-          </p:cNvPr>
-          <p:cNvSpPr/>
-          <p:nvPr/>
-        </p:nvSpPr>
-        <p:spPr>
-          <a:xfrm>
-            <a:off x="0" y="6383046"/>
-            <a:ext cx="12183122" cy="57703"/>
-          </a:xfrm>
-          <a:prstGeom prst="rect">
-            <a:avLst/>
-          </a:prstGeom>
-          <a:solidFill>
-            <a:srgbClr val="0070C0"/>
-          </a:solidFill>
-        </p:spPr>
-        <p:style>
-          <a:lnRef idx="2">
-            <a:schemeClr val="accent1">
-              <a:shade val="50000"/>
-            </a:schemeClr>
-          </a:lnRef>
-          <a:fillRef idx="1">
-            <a:schemeClr val="accent1"/>
-          </a:fillRef>
-          <a:effectRef idx="0">
-            <a:schemeClr val="accent1"/>
-          </a:effectRef>
-          <a:fontRef idx="minor">
-            <a:schemeClr val="lt1"/>
-          </a:fontRef>
-        </p:style>
-        <p:txBody>
-          <a:bodyPr rtlCol="0" anchor="ctr"/>
-          <a:lstStyle/>
-          <a:p>
-            <a:pPr algn="ctr"/>
-            <a:endParaRPr lang="en-IN" sz="1000" dirty="0">
-              <a:latin typeface="Verdana" panose="020B0604030504040204" pitchFamily="34" charset="0"/>
-              <a:ea typeface="Verdana" panose="020B0604030504040204" pitchFamily="34" charset="0"/>
-            </a:endParaRPr>
-          </a:p>
-        </p:txBody>
-      </p:sp>
-      <p:sp>
-        <p:nvSpPr>
-          <p:cNvPr id="8" name="Footer Placeholder 7">
-            <a:extLst>
-              <a:ext uri="{FF2B5EF4-FFF2-40B4-BE49-F238E27FC236}">
-                <a16:creationId xmlns:a16="http://schemas.microsoft.com/office/drawing/2014/main" id="{DD2A19CA-EC18-432D-8F8F-17079808F38B}"/>
-              </a:ext>
-            </a:extLst>
-          </p:cNvPr>
-          <p:cNvSpPr>
-            <a:spLocks noGrp="1"/>
-          </p:cNvSpPr>
-          <p:nvPr>
-            <p:ph type="ftr" sz="quarter" idx="11"/>
-          </p:nvPr>
-        </p:nvSpPr>
-        <p:spPr>
-          <a:xfrm>
-            <a:off x="4038600" y="6427374"/>
-            <a:ext cx="4114800" cy="365125"/>
-          </a:xfrm>
-        </p:spPr>
-        <p:txBody>
-          <a:bodyPr/>
-          <a:lstStyle/>
-          <a:p>
-            <a:r>
-              <a:rPr lang="en-IN" b="1" dirty="0">
-                <a:solidFill>
-                  <a:srgbClr val="002060"/>
-                </a:solidFill>
-                <a:latin typeface="Verdana" panose="020B0604030504040204" pitchFamily="34" charset="0"/>
-                <a:ea typeface="Verdana" panose="020B0604030504040204" pitchFamily="34" charset="0"/>
-              </a:rPr>
-              <a:t>06-Jun-2020</a:t>
-            </a:r>
-          </a:p>
-        </p:txBody>
-      </p:sp>
-      <p:sp>
-        <p:nvSpPr>
-          <p:cNvPr id="9" name="Slide Number Placeholder 8">
-            <a:extLst>
-              <a:ext uri="{FF2B5EF4-FFF2-40B4-BE49-F238E27FC236}">
-                <a16:creationId xmlns:a16="http://schemas.microsoft.com/office/drawing/2014/main" id="{8162625C-0B1F-42E0-BE7C-D99A08FED7A3}"/>
-              </a:ext>
-            </a:extLst>
-          </p:cNvPr>
-          <p:cNvSpPr>
-            <a:spLocks noGrp="1"/>
-          </p:cNvSpPr>
-          <p:nvPr>
-            <p:ph type="sldNum" sz="quarter" idx="12"/>
-          </p:nvPr>
-        </p:nvSpPr>
-        <p:spPr>
-          <a:xfrm>
-            <a:off x="8610600" y="6427374"/>
-            <a:ext cx="2743200" cy="365125"/>
-          </a:xfrm>
-        </p:spPr>
-        <p:txBody>
-          <a:bodyPr/>
-          <a:lstStyle/>
-          <a:p>
-            <a:fld id="{30AF63FB-5233-4811-A918-B572E3A55817}" type="slidenum">
-              <a:rPr lang="en-IN" b="1" smtClean="0">
-                <a:solidFill>
-                  <a:srgbClr val="002060"/>
-                </a:solidFill>
-                <a:latin typeface="Verdana" panose="020B0604030504040204" pitchFamily="34" charset="0"/>
-                <a:ea typeface="Verdana" panose="020B0604030504040204" pitchFamily="34" charset="0"/>
-              </a:rPr>
-              <a:t>15</a:t>
             </a:fld>
             <a:endParaRPr lang="en-IN" b="1" dirty="0">
               <a:solidFill>
@@ -7844,7 +6513,7 @@
                 <a:latin typeface="Verdana" panose="020B0604030504040204" pitchFamily="34" charset="0"/>
                 <a:ea typeface="Verdana" panose="020B0604030504040204" pitchFamily="34" charset="0"/>
               </a:rPr>
-              <a:t>06-Jun-2020</a:t>
+              <a:t>12-Jun-2020</a:t>
             </a:r>
           </a:p>
         </p:txBody>
@@ -8074,25 +6743,8 @@
                 <a:latin typeface="Verdana" panose="020B0604030504040204" pitchFamily="34" charset="0"/>
                 <a:ea typeface="Verdana" panose="020B0604030504040204" pitchFamily="34" charset="0"/>
               </a:rPr>
-              <a:t> Today is </a:t>
-            </a:r>
-            <a:r>
-              <a:rPr lang="en-US" sz="2000">
-                <a:solidFill>
-                  <a:srgbClr val="002060"/>
-                </a:solidFill>
-                <a:latin typeface="Verdana" panose="020B0604030504040204" pitchFamily="34" charset="0"/>
-                <a:ea typeface="Verdana" panose="020B0604030504040204" pitchFamily="34" charset="0"/>
-              </a:rPr>
-              <a:t>session 3.</a:t>
-            </a:r>
-            <a:endParaRPr lang="en-US" sz="2000" dirty="0">
-              <a:solidFill>
-                <a:srgbClr val="002060"/>
-              </a:solidFill>
-              <a:latin typeface="Verdana" panose="020B0604030504040204" pitchFamily="34" charset="0"/>
-              <a:ea typeface="Verdana" panose="020B0604030504040204" pitchFamily="34" charset="0"/>
-            </a:endParaRPr>
+              <a:t> Today is session 4.</a:t>
+            </a:r>
           </a:p>
           <a:p>
             <a:pPr marL="628650" lvl="1" indent="-171450">
@@ -8424,7 +7076,7 @@
                 <a:latin typeface="Verdana" panose="020B0604030504040204" pitchFamily="34" charset="0"/>
                 <a:ea typeface="Verdana" panose="020B0604030504040204" pitchFamily="34" charset="0"/>
               </a:rPr>
-              <a:t>06-Jun-2020</a:t>
+              <a:t>12-Jun-2020</a:t>
             </a:r>
           </a:p>
         </p:txBody>
@@ -8898,7 +7550,7 @@
                 <a:latin typeface="Verdana" panose="020B0604030504040204" pitchFamily="34" charset="0"/>
                 <a:ea typeface="Verdana" panose="020B0604030504040204" pitchFamily="34" charset="0"/>
               </a:rPr>
-              <a:t>06-Jun-2020</a:t>
+              <a:t>12-Jun-2020</a:t>
             </a:r>
           </a:p>
         </p:txBody>
@@ -9718,7 +8370,7 @@
                 <a:latin typeface="Verdana" panose="020B0604030504040204" pitchFamily="34" charset="0"/>
                 <a:ea typeface="Verdana" panose="020B0604030504040204" pitchFamily="34" charset="0"/>
               </a:rPr>
-              <a:t>06-Jun-2020</a:t>
+              <a:t>12-Jun-2020</a:t>
             </a:r>
           </a:p>
         </p:txBody>
@@ -10378,7 +9030,7 @@
                 <a:latin typeface="Verdana" panose="020B0604030504040204" pitchFamily="34" charset="0"/>
                 <a:ea typeface="Verdana" panose="020B0604030504040204" pitchFamily="34" charset="0"/>
               </a:rPr>
-              <a:t>Adding Retrieval All and Retrieve By Id inside Service</a:t>
+              <a:t>Install Redis Cache on WSL on Windows 10</a:t>
             </a:r>
             <a:endParaRPr lang="en-IN" b="1" dirty="0">
               <a:latin typeface="Verdana" panose="020B0604030504040204" pitchFamily="34" charset="0"/>
@@ -10473,7 +9125,7 @@
                 <a:latin typeface="Verdana" panose="020B0604030504040204" pitchFamily="34" charset="0"/>
                 <a:ea typeface="Verdana" panose="020B0604030504040204" pitchFamily="34" charset="0"/>
               </a:rPr>
-              <a:t>06-Jun-2020</a:t>
+              <a:t>12-Jun-2020</a:t>
             </a:r>
           </a:p>
         </p:txBody>
@@ -10660,80 +9312,490 @@
           </a:p>
         </p:txBody>
       </p:sp>
-      <p:pic>
-        <p:nvPicPr>
-          <p:cNvPr id="2" name="Picture 1">
-            <a:extLst>
-              <a:ext uri="{FF2B5EF4-FFF2-40B4-BE49-F238E27FC236}">
-                <a16:creationId xmlns:a16="http://schemas.microsoft.com/office/drawing/2014/main" id="{B3A8D59F-E33B-4DD1-A2C2-49E30442814E}"/>
-              </a:ext>
-            </a:extLst>
-          </p:cNvPr>
-          <p:cNvPicPr>
-            <a:picLocks noChangeAspect="1"/>
-          </p:cNvPicPr>
+      <p:sp>
+        <p:nvSpPr>
+          <p:cNvPr id="10" name="TextBox 9">
+            <a:extLst>
+              <a:ext uri="{FF2B5EF4-FFF2-40B4-BE49-F238E27FC236}">
+                <a16:creationId xmlns:a16="http://schemas.microsoft.com/office/drawing/2014/main" id="{25C2594F-FCF8-4800-A7AC-EF269935EFA6}"/>
+              </a:ext>
+            </a:extLst>
+          </p:cNvPr>
+          <p:cNvSpPr txBox="1"/>
           <p:nvPr/>
-        </p:nvPicPr>
-        <p:blipFill>
-          <a:blip r:embed="rId2"/>
-          <a:stretch>
-            <a:fillRect/>
-          </a:stretch>
-        </p:blipFill>
+        </p:nvSpPr>
         <p:spPr>
           <a:xfrm>
-            <a:off x="94927" y="616997"/>
-            <a:ext cx="6089617" cy="5655079"/>
+            <a:off x="80629" y="557824"/>
+            <a:ext cx="12037390" cy="5588774"/>
           </a:xfrm>
           <a:prstGeom prst="rect">
             <a:avLst/>
           </a:prstGeom>
-          <a:ln>
-            <a:solidFill>
-              <a:schemeClr val="accent1"/>
-            </a:solidFill>
-          </a:ln>
+          <a:noFill/>
         </p:spPr>
-      </p:pic>
-      <p:pic>
-        <p:nvPicPr>
-          <p:cNvPr id="3" name="Picture 2">
-            <a:extLst>
-              <a:ext uri="{FF2B5EF4-FFF2-40B4-BE49-F238E27FC236}">
-                <a16:creationId xmlns:a16="http://schemas.microsoft.com/office/drawing/2014/main" id="{8953E6C4-BC52-4B50-B3E3-A0C5B1F866E2}"/>
-              </a:ext>
-            </a:extLst>
-          </p:cNvPr>
-          <p:cNvPicPr>
-            <a:picLocks noChangeAspect="1"/>
-          </p:cNvPicPr>
-          <p:nvPr/>
-        </p:nvPicPr>
-        <p:blipFill>
-          <a:blip r:embed="rId3"/>
-          <a:stretch>
-            <a:fillRect/>
-          </a:stretch>
-        </p:blipFill>
-        <p:spPr>
-          <a:xfrm>
-            <a:off x="6312023" y="585924"/>
-            <a:ext cx="5784470" cy="5686152"/>
-          </a:xfrm>
-          <a:prstGeom prst="rect">
-            <a:avLst/>
-          </a:prstGeom>
-          <a:ln>
-            <a:solidFill>
-              <a:schemeClr val="accent1"/>
-            </a:solidFill>
-          </a:ln>
-        </p:spPr>
-      </p:pic>
+        <p:txBody>
+          <a:bodyPr wrap="square" rtlCol="0">
+            <a:spAutoFit/>
+          </a:bodyPr>
+          <a:lstStyle/>
+          <a:p>
+            <a:pPr>
+              <a:lnSpc>
+                <a:spcPct val="150000"/>
+              </a:lnSpc>
+            </a:pPr>
+            <a:r>
+              <a:rPr lang="en-US" sz="1400" dirty="0">
+                <a:solidFill>
+                  <a:srgbClr val="002060"/>
+                </a:solidFill>
+                <a:latin typeface="Verdana" panose="020B0604030504040204" pitchFamily="34" charset="0"/>
+                <a:ea typeface="Verdana" panose="020B0604030504040204" pitchFamily="34" charset="0"/>
+              </a:rPr>
+              <a:t>Please refer official documentation for detailed steps. URL: </a:t>
+            </a:r>
+            <a:r>
+              <a:rPr lang="en-IN" sz="1400" dirty="0">
+                <a:hlinkClick r:id="rId2"/>
+              </a:rPr>
+              <a:t>https://redislabs.com/blog/redis-on-windows-10/</a:t>
+            </a:r>
+            <a:endParaRPr lang="en-IN" sz="1400" dirty="0"/>
+          </a:p>
+          <a:p>
+            <a:pPr>
+              <a:lnSpc>
+                <a:spcPct val="150000"/>
+              </a:lnSpc>
+            </a:pPr>
+            <a:endParaRPr lang="en-IN" sz="1050" dirty="0">
+              <a:solidFill>
+                <a:srgbClr val="002060"/>
+              </a:solidFill>
+              <a:latin typeface="Verdana" panose="020B0604030504040204" pitchFamily="34" charset="0"/>
+              <a:ea typeface="Verdana" panose="020B0604030504040204" pitchFamily="34" charset="0"/>
+            </a:endParaRPr>
+          </a:p>
+          <a:p>
+            <a:pPr>
+              <a:lnSpc>
+                <a:spcPct val="150000"/>
+              </a:lnSpc>
+            </a:pPr>
+            <a:r>
+              <a:rPr lang="en-IN" sz="1400" b="1" dirty="0">
+                <a:solidFill>
+                  <a:srgbClr val="002060"/>
+                </a:solidFill>
+                <a:latin typeface="Verdana" panose="020B0604030504040204" pitchFamily="34" charset="0"/>
+                <a:ea typeface="Verdana" panose="020B0604030504040204" pitchFamily="34" charset="0"/>
+              </a:rPr>
+              <a:t>Install Redis Cache on WSL on Windows 10</a:t>
+            </a:r>
+            <a:endParaRPr lang="en-IN" sz="1400" dirty="0">
+              <a:solidFill>
+                <a:srgbClr val="002060"/>
+              </a:solidFill>
+              <a:latin typeface="Verdana" panose="020B0604030504040204" pitchFamily="34" charset="0"/>
+              <a:ea typeface="Verdana" panose="020B0604030504040204" pitchFamily="34" charset="0"/>
+            </a:endParaRPr>
+          </a:p>
+          <a:p>
+            <a:pPr marL="742950" lvl="1" indent="-285750">
+              <a:lnSpc>
+                <a:spcPct val="150000"/>
+              </a:lnSpc>
+              <a:buFont typeface="Wingdings" panose="05000000000000000000" pitchFamily="2" charset="2"/>
+              <a:buChar char="Ø"/>
+            </a:pPr>
+            <a:r>
+              <a:rPr lang="en-IN" sz="1400" dirty="0" err="1">
+                <a:solidFill>
+                  <a:srgbClr val="002060"/>
+                </a:solidFill>
+                <a:latin typeface="Verdana" panose="020B0604030504040204" pitchFamily="34" charset="0"/>
+                <a:ea typeface="Verdana" panose="020B0604030504040204" pitchFamily="34" charset="0"/>
+              </a:rPr>
+              <a:t>sudo</a:t>
+            </a:r>
+            <a:r>
+              <a:rPr lang="en-IN" sz="1400" dirty="0">
+                <a:solidFill>
+                  <a:srgbClr val="002060"/>
+                </a:solidFill>
+                <a:latin typeface="Verdana" panose="020B0604030504040204" pitchFamily="34" charset="0"/>
+                <a:ea typeface="Verdana" panose="020B0604030504040204" pitchFamily="34" charset="0"/>
+              </a:rPr>
+              <a:t> apt-get update</a:t>
+            </a:r>
+          </a:p>
+          <a:p>
+            <a:pPr marL="742950" lvl="1" indent="-285750">
+              <a:lnSpc>
+                <a:spcPct val="150000"/>
+              </a:lnSpc>
+              <a:buFont typeface="Wingdings" panose="05000000000000000000" pitchFamily="2" charset="2"/>
+              <a:buChar char="Ø"/>
+            </a:pPr>
+            <a:r>
+              <a:rPr lang="en-IN" sz="1400" dirty="0" err="1">
+                <a:solidFill>
+                  <a:srgbClr val="002060"/>
+                </a:solidFill>
+                <a:latin typeface="Verdana" panose="020B0604030504040204" pitchFamily="34" charset="0"/>
+                <a:ea typeface="Verdana" panose="020B0604030504040204" pitchFamily="34" charset="0"/>
+              </a:rPr>
+              <a:t>sudo</a:t>
+            </a:r>
+            <a:r>
+              <a:rPr lang="en-IN" sz="1400" dirty="0">
+                <a:solidFill>
+                  <a:srgbClr val="002060"/>
+                </a:solidFill>
+                <a:latin typeface="Verdana" panose="020B0604030504040204" pitchFamily="34" charset="0"/>
+                <a:ea typeface="Verdana" panose="020B0604030504040204" pitchFamily="34" charset="0"/>
+              </a:rPr>
+              <a:t> apt-get upgrade</a:t>
+            </a:r>
+          </a:p>
+          <a:p>
+            <a:pPr marL="742950" lvl="1" indent="-285750">
+              <a:lnSpc>
+                <a:spcPct val="150000"/>
+              </a:lnSpc>
+              <a:buFont typeface="Wingdings" panose="05000000000000000000" pitchFamily="2" charset="2"/>
+              <a:buChar char="Ø"/>
+            </a:pPr>
+            <a:r>
+              <a:rPr lang="en-IN" sz="1400" dirty="0" err="1">
+                <a:solidFill>
+                  <a:srgbClr val="002060"/>
+                </a:solidFill>
+                <a:latin typeface="Verdana" panose="020B0604030504040204" pitchFamily="34" charset="0"/>
+                <a:ea typeface="Verdana" panose="020B0604030504040204" pitchFamily="34" charset="0"/>
+              </a:rPr>
+              <a:t>sudo</a:t>
+            </a:r>
+            <a:r>
+              <a:rPr lang="en-IN" sz="1400" dirty="0">
+                <a:solidFill>
+                  <a:srgbClr val="002060"/>
+                </a:solidFill>
+                <a:latin typeface="Verdana" panose="020B0604030504040204" pitchFamily="34" charset="0"/>
+                <a:ea typeface="Verdana" panose="020B0604030504040204" pitchFamily="34" charset="0"/>
+              </a:rPr>
+              <a:t> apt-get install </a:t>
+            </a:r>
+            <a:r>
+              <a:rPr lang="en-IN" sz="1400" dirty="0" err="1">
+                <a:solidFill>
+                  <a:srgbClr val="002060"/>
+                </a:solidFill>
+                <a:latin typeface="Verdana" panose="020B0604030504040204" pitchFamily="34" charset="0"/>
+                <a:ea typeface="Verdana" panose="020B0604030504040204" pitchFamily="34" charset="0"/>
+              </a:rPr>
+              <a:t>redis</a:t>
+            </a:r>
+            <a:r>
+              <a:rPr lang="en-IN" sz="1400" dirty="0">
+                <a:solidFill>
+                  <a:srgbClr val="002060"/>
+                </a:solidFill>
+                <a:latin typeface="Verdana" panose="020B0604030504040204" pitchFamily="34" charset="0"/>
+                <a:ea typeface="Verdana" panose="020B0604030504040204" pitchFamily="34" charset="0"/>
+              </a:rPr>
+              <a:t>-server</a:t>
+            </a:r>
+          </a:p>
+          <a:p>
+            <a:pPr>
+              <a:lnSpc>
+                <a:spcPct val="150000"/>
+              </a:lnSpc>
+            </a:pPr>
+            <a:br>
+              <a:rPr lang="en-IN" sz="1400" dirty="0">
+                <a:solidFill>
+                  <a:srgbClr val="002060"/>
+                </a:solidFill>
+                <a:latin typeface="Verdana" panose="020B0604030504040204" pitchFamily="34" charset="0"/>
+                <a:ea typeface="Verdana" panose="020B0604030504040204" pitchFamily="34" charset="0"/>
+              </a:rPr>
+            </a:br>
+            <a:r>
+              <a:rPr lang="en-IN" sz="1400" b="1" dirty="0">
+                <a:solidFill>
+                  <a:srgbClr val="002060"/>
+                </a:solidFill>
+                <a:latin typeface="Verdana" panose="020B0604030504040204" pitchFamily="34" charset="0"/>
+                <a:ea typeface="Verdana" panose="020B0604030504040204" pitchFamily="34" charset="0"/>
+              </a:rPr>
+              <a:t>To Start and Stop the Redis Service</a:t>
+            </a:r>
+            <a:endParaRPr lang="en-IN" sz="1400" dirty="0">
+              <a:solidFill>
+                <a:srgbClr val="002060"/>
+              </a:solidFill>
+              <a:latin typeface="Verdana" panose="020B0604030504040204" pitchFamily="34" charset="0"/>
+              <a:ea typeface="Verdana" panose="020B0604030504040204" pitchFamily="34" charset="0"/>
+            </a:endParaRPr>
+          </a:p>
+          <a:p>
+            <a:pPr marL="742950" lvl="1" indent="-285750">
+              <a:lnSpc>
+                <a:spcPct val="150000"/>
+              </a:lnSpc>
+              <a:buFont typeface="Wingdings" panose="05000000000000000000" pitchFamily="2" charset="2"/>
+              <a:buChar char="Ø"/>
+            </a:pPr>
+            <a:r>
+              <a:rPr lang="en-IN" sz="1400" dirty="0" err="1">
+                <a:solidFill>
+                  <a:srgbClr val="002060"/>
+                </a:solidFill>
+                <a:latin typeface="Verdana" panose="020B0604030504040204" pitchFamily="34" charset="0"/>
+                <a:ea typeface="Verdana" panose="020B0604030504040204" pitchFamily="34" charset="0"/>
+              </a:rPr>
+              <a:t>sudo</a:t>
+            </a:r>
+            <a:r>
+              <a:rPr lang="en-IN" sz="1400" dirty="0">
+                <a:solidFill>
+                  <a:srgbClr val="002060"/>
+                </a:solidFill>
+                <a:latin typeface="Verdana" panose="020B0604030504040204" pitchFamily="34" charset="0"/>
+                <a:ea typeface="Verdana" panose="020B0604030504040204" pitchFamily="34" charset="0"/>
+              </a:rPr>
+              <a:t> service </a:t>
+            </a:r>
+            <a:r>
+              <a:rPr lang="en-IN" sz="1400" dirty="0" err="1">
+                <a:solidFill>
+                  <a:srgbClr val="002060"/>
+                </a:solidFill>
+                <a:latin typeface="Verdana" panose="020B0604030504040204" pitchFamily="34" charset="0"/>
+                <a:ea typeface="Verdana" panose="020B0604030504040204" pitchFamily="34" charset="0"/>
+              </a:rPr>
+              <a:t>redis</a:t>
+            </a:r>
+            <a:r>
+              <a:rPr lang="en-IN" sz="1400" dirty="0">
+                <a:solidFill>
+                  <a:srgbClr val="002060"/>
+                </a:solidFill>
+                <a:latin typeface="Verdana" panose="020B0604030504040204" pitchFamily="34" charset="0"/>
+                <a:ea typeface="Verdana" panose="020B0604030504040204" pitchFamily="34" charset="0"/>
+              </a:rPr>
+              <a:t>-server restart</a:t>
+            </a:r>
+          </a:p>
+          <a:p>
+            <a:pPr marL="742950" lvl="1" indent="-285750">
+              <a:lnSpc>
+                <a:spcPct val="150000"/>
+              </a:lnSpc>
+              <a:buFont typeface="Wingdings" panose="05000000000000000000" pitchFamily="2" charset="2"/>
+              <a:buChar char="Ø"/>
+            </a:pPr>
+            <a:r>
+              <a:rPr lang="en-IN" sz="1400" dirty="0" err="1">
+                <a:solidFill>
+                  <a:srgbClr val="002060"/>
+                </a:solidFill>
+                <a:latin typeface="Verdana" panose="020B0604030504040204" pitchFamily="34" charset="0"/>
+                <a:ea typeface="Verdana" panose="020B0604030504040204" pitchFamily="34" charset="0"/>
+              </a:rPr>
+              <a:t>sudo</a:t>
+            </a:r>
+            <a:r>
+              <a:rPr lang="en-IN" sz="1400" dirty="0">
+                <a:solidFill>
+                  <a:srgbClr val="002060"/>
+                </a:solidFill>
+                <a:latin typeface="Verdana" panose="020B0604030504040204" pitchFamily="34" charset="0"/>
+                <a:ea typeface="Verdana" panose="020B0604030504040204" pitchFamily="34" charset="0"/>
+              </a:rPr>
+              <a:t> service </a:t>
+            </a:r>
+            <a:r>
+              <a:rPr lang="en-IN" sz="1400" dirty="0" err="1">
+                <a:solidFill>
+                  <a:srgbClr val="002060"/>
+                </a:solidFill>
+                <a:latin typeface="Verdana" panose="020B0604030504040204" pitchFamily="34" charset="0"/>
+                <a:ea typeface="Verdana" panose="020B0604030504040204" pitchFamily="34" charset="0"/>
+              </a:rPr>
+              <a:t>redis</a:t>
+            </a:r>
+            <a:r>
+              <a:rPr lang="en-IN" sz="1400" dirty="0">
+                <a:solidFill>
+                  <a:srgbClr val="002060"/>
+                </a:solidFill>
+                <a:latin typeface="Verdana" panose="020B0604030504040204" pitchFamily="34" charset="0"/>
+                <a:ea typeface="Verdana" panose="020B0604030504040204" pitchFamily="34" charset="0"/>
+              </a:rPr>
+              <a:t>-server stop</a:t>
+            </a:r>
+          </a:p>
+          <a:p>
+            <a:pPr>
+              <a:lnSpc>
+                <a:spcPct val="150000"/>
+              </a:lnSpc>
+            </a:pPr>
+            <a:endParaRPr lang="en-US" sz="1400" dirty="0">
+              <a:solidFill>
+                <a:srgbClr val="002060"/>
+              </a:solidFill>
+              <a:latin typeface="Verdana" panose="020B0604030504040204" pitchFamily="34" charset="0"/>
+              <a:ea typeface="Verdana" panose="020B0604030504040204" pitchFamily="34" charset="0"/>
+            </a:endParaRPr>
+          </a:p>
+          <a:p>
+            <a:pPr>
+              <a:lnSpc>
+                <a:spcPct val="150000"/>
+              </a:lnSpc>
+            </a:pPr>
+            <a:r>
+              <a:rPr lang="en-IN" sz="1400" b="1" dirty="0">
+                <a:solidFill>
+                  <a:srgbClr val="002060"/>
+                </a:solidFill>
+                <a:latin typeface="Verdana" panose="020B0604030504040204" pitchFamily="34" charset="0"/>
+                <a:ea typeface="Verdana" panose="020B0604030504040204" pitchFamily="34" charset="0"/>
+              </a:rPr>
+              <a:t>To Start and Stop the Redis Service</a:t>
+            </a:r>
+          </a:p>
+          <a:p>
+            <a:pPr marL="742950" lvl="1" indent="-285750">
+              <a:lnSpc>
+                <a:spcPct val="150000"/>
+              </a:lnSpc>
+              <a:buFont typeface="Wingdings" panose="05000000000000000000" pitchFamily="2" charset="2"/>
+              <a:buChar char="Ø"/>
+            </a:pPr>
+            <a:r>
+              <a:rPr lang="en-IN" sz="1400" dirty="0" err="1">
+                <a:solidFill>
+                  <a:srgbClr val="002060"/>
+                </a:solidFill>
+                <a:latin typeface="Verdana" panose="020B0604030504040204" pitchFamily="34" charset="0"/>
+                <a:ea typeface="Verdana" panose="020B0604030504040204" pitchFamily="34" charset="0"/>
+              </a:rPr>
+              <a:t>redis</a:t>
+            </a:r>
+            <a:r>
+              <a:rPr lang="en-IN" sz="1400" dirty="0">
+                <a:solidFill>
+                  <a:srgbClr val="002060"/>
+                </a:solidFill>
+                <a:latin typeface="Verdana" panose="020B0604030504040204" pitchFamily="34" charset="0"/>
+                <a:ea typeface="Verdana" panose="020B0604030504040204" pitchFamily="34" charset="0"/>
+              </a:rPr>
+              <a:t>-server -v</a:t>
+            </a:r>
+          </a:p>
+          <a:p>
+            <a:pPr marL="742950" lvl="1" indent="-285750">
+              <a:lnSpc>
+                <a:spcPct val="150000"/>
+              </a:lnSpc>
+              <a:buFont typeface="Wingdings" panose="05000000000000000000" pitchFamily="2" charset="2"/>
+              <a:buChar char="Ø"/>
+            </a:pPr>
+            <a:r>
+              <a:rPr lang="en-IN" sz="1400" dirty="0" err="1">
+                <a:solidFill>
+                  <a:srgbClr val="002060"/>
+                </a:solidFill>
+                <a:latin typeface="Verdana" panose="020B0604030504040204" pitchFamily="34" charset="0"/>
+                <a:ea typeface="Verdana" panose="020B0604030504040204" pitchFamily="34" charset="0"/>
+              </a:rPr>
+              <a:t>redis</a:t>
+            </a:r>
+            <a:r>
+              <a:rPr lang="en-IN" sz="1400" dirty="0">
+                <a:solidFill>
+                  <a:srgbClr val="002060"/>
+                </a:solidFill>
+                <a:latin typeface="Verdana" panose="020B0604030504040204" pitchFamily="34" charset="0"/>
+                <a:ea typeface="Verdana" panose="020B0604030504040204" pitchFamily="34" charset="0"/>
+              </a:rPr>
+              <a:t>-cli -v</a:t>
+            </a:r>
+          </a:p>
+          <a:p>
+            <a:pPr marL="742950" lvl="1" indent="-285750">
+              <a:lnSpc>
+                <a:spcPct val="150000"/>
+              </a:lnSpc>
+              <a:buFont typeface="Wingdings" panose="05000000000000000000" pitchFamily="2" charset="2"/>
+              <a:buChar char="Ø"/>
+            </a:pPr>
+            <a:endParaRPr lang="en-IN" sz="1400" dirty="0">
+              <a:solidFill>
+                <a:srgbClr val="002060"/>
+              </a:solidFill>
+              <a:latin typeface="Verdana" panose="020B0604030504040204" pitchFamily="34" charset="0"/>
+              <a:ea typeface="Verdana" panose="020B0604030504040204" pitchFamily="34" charset="0"/>
+            </a:endParaRPr>
+          </a:p>
+          <a:p>
+            <a:pPr>
+              <a:lnSpc>
+                <a:spcPct val="150000"/>
+              </a:lnSpc>
+            </a:pPr>
+            <a:r>
+              <a:rPr lang="en-IN" sz="1400" b="1" dirty="0">
+                <a:solidFill>
+                  <a:srgbClr val="002060"/>
+                </a:solidFill>
+                <a:latin typeface="Verdana" panose="020B0604030504040204" pitchFamily="34" charset="0"/>
+                <a:ea typeface="Verdana" panose="020B0604030504040204" pitchFamily="34" charset="0"/>
+              </a:rPr>
+              <a:t>To Connect to Redis Server</a:t>
+            </a:r>
+          </a:p>
+          <a:p>
+            <a:pPr marL="742950" lvl="1" indent="-285750">
+              <a:lnSpc>
+                <a:spcPct val="150000"/>
+              </a:lnSpc>
+              <a:buFont typeface="Wingdings" panose="05000000000000000000" pitchFamily="2" charset="2"/>
+              <a:buChar char="Ø"/>
+            </a:pPr>
+            <a:r>
+              <a:rPr lang="en-IN" sz="1400" dirty="0" err="1">
+                <a:solidFill>
+                  <a:srgbClr val="002060"/>
+                </a:solidFill>
+                <a:latin typeface="Verdana" panose="020B0604030504040204" pitchFamily="34" charset="0"/>
+                <a:ea typeface="Verdana" panose="020B0604030504040204" pitchFamily="34" charset="0"/>
+              </a:rPr>
+              <a:t>redis</a:t>
+            </a:r>
+            <a:r>
+              <a:rPr lang="en-IN" sz="1400" dirty="0">
+                <a:solidFill>
+                  <a:srgbClr val="002060"/>
+                </a:solidFill>
+                <a:latin typeface="Verdana" panose="020B0604030504040204" pitchFamily="34" charset="0"/>
+                <a:ea typeface="Verdana" panose="020B0604030504040204" pitchFamily="34" charset="0"/>
+              </a:rPr>
+              <a:t>-cli</a:t>
+            </a:r>
+          </a:p>
+        </p:txBody>
+      </p:sp>
     </p:spTree>
     <p:extLst>
       <p:ext uri="{BB962C8B-B14F-4D97-AF65-F5344CB8AC3E}">
-        <p14:creationId xmlns:p14="http://schemas.microsoft.com/office/powerpoint/2010/main" val="2191997749"/>
+        <p14:creationId xmlns:p14="http://schemas.microsoft.com/office/powerpoint/2010/main" val="2572657671"/>
       </p:ext>
     </p:extLst>
   </p:cSld>
@@ -10810,7 +9872,7 @@
                 <a:latin typeface="Verdana" panose="020B0604030504040204" pitchFamily="34" charset="0"/>
                 <a:ea typeface="Verdana" panose="020B0604030504040204" pitchFamily="34" charset="0"/>
               </a:rPr>
-              <a:t>Adding Retrieval All and Retrieve By Id inside Service</a:t>
+              <a:t>Install Redis Cache on WSL on Windows 10</a:t>
             </a:r>
             <a:endParaRPr lang="en-IN" b="1" dirty="0">
               <a:latin typeface="Verdana" panose="020B0604030504040204" pitchFamily="34" charset="0"/>
@@ -10905,7 +9967,7 @@
                 <a:latin typeface="Verdana" panose="020B0604030504040204" pitchFamily="34" charset="0"/>
                 <a:ea typeface="Verdana" panose="020B0604030504040204" pitchFamily="34" charset="0"/>
               </a:rPr>
-              <a:t>06-Jun-2020</a:t>
+              <a:t>12-Jun-2020</a:t>
             </a:r>
           </a:p>
         </p:txBody>
@@ -11092,257 +10154,45 @@
           </a:p>
         </p:txBody>
       </p:sp>
-      <p:sp>
-        <p:nvSpPr>
-          <p:cNvPr id="11" name="Rectangle 10">
-            <a:extLst>
-              <a:ext uri="{FF2B5EF4-FFF2-40B4-BE49-F238E27FC236}">
-                <a16:creationId xmlns:a16="http://schemas.microsoft.com/office/drawing/2014/main" id="{F60D9B38-5067-4841-9B4A-CE7786A2CB4A}"/>
-              </a:ext>
-            </a:extLst>
-          </p:cNvPr>
-          <p:cNvSpPr/>
+      <p:pic>
+        <p:nvPicPr>
+          <p:cNvPr id="2" name="Picture 1">
+            <a:extLst>
+              <a:ext uri="{FF2B5EF4-FFF2-40B4-BE49-F238E27FC236}">
+                <a16:creationId xmlns:a16="http://schemas.microsoft.com/office/drawing/2014/main" id="{DC2E26A5-4A12-4E6B-9916-F411194AFB16}"/>
+              </a:ext>
+            </a:extLst>
+          </p:cNvPr>
+          <p:cNvPicPr>
+            <a:picLocks noChangeAspect="1"/>
+          </p:cNvPicPr>
           <p:nvPr/>
-        </p:nvSpPr>
+        </p:nvPicPr>
+        <p:blipFill>
+          <a:blip r:embed="rId2"/>
+          <a:stretch>
+            <a:fillRect/>
+          </a:stretch>
+        </p:blipFill>
         <p:spPr>
           <a:xfrm>
-            <a:off x="1688275" y="588106"/>
-            <a:ext cx="8779968" cy="5236690"/>
+            <a:off x="71750" y="621437"/>
+            <a:ext cx="12058103" cy="5646198"/>
           </a:xfrm>
           <a:prstGeom prst="rect">
             <a:avLst/>
           </a:prstGeom>
-          <a:noFill/>
+          <a:ln>
+            <a:solidFill>
+              <a:schemeClr val="accent1"/>
+            </a:solidFill>
+          </a:ln>
         </p:spPr>
-        <p:txBody>
-          <a:bodyPr wrap="none" lIns="91440" tIns="45720" rIns="91440" bIns="45720">
-            <a:spAutoFit/>
-          </a:bodyPr>
-          <a:lstStyle/>
-          <a:p>
-            <a:pPr algn="ctr"/>
-            <a:r>
-              <a:rPr lang="en-US" sz="8800" b="1" cap="none" spc="0" dirty="0">
-                <a:ln w="9525">
-                  <a:solidFill>
-                    <a:schemeClr val="bg1"/>
-                  </a:solidFill>
-                  <a:prstDash val="solid"/>
-                </a:ln>
-                <a:solidFill>
-                  <a:schemeClr val="accent5"/>
-                </a:solidFill>
-                <a:effectLst>
-                  <a:outerShdw blurRad="12700" dist="38100" dir="2700000" algn="tl" rotWithShape="0">
-                    <a:schemeClr val="accent5">
-                      <a:lumMod val="60000"/>
-                      <a:lumOff val="40000"/>
-                    </a:schemeClr>
-                  </a:outerShdw>
-                </a:effectLst>
-                <a:latin typeface="Verdana" panose="020B0604030504040204" pitchFamily="34" charset="0"/>
-                <a:ea typeface="Verdana" panose="020B0604030504040204" pitchFamily="34" charset="0"/>
-              </a:rPr>
-              <a:t>Demo</a:t>
-            </a:r>
-          </a:p>
-          <a:p>
-            <a:pPr marL="1371600" indent="-1371600" algn="ctr">
-              <a:buAutoNum type="arabicPeriod"/>
-            </a:pPr>
-            <a:endParaRPr lang="en-US" sz="4000" b="1" cap="none" spc="0" dirty="0">
-              <a:ln w="9525">
-                <a:solidFill>
-                  <a:schemeClr val="bg1"/>
-                </a:solidFill>
-                <a:prstDash val="solid"/>
-              </a:ln>
-              <a:solidFill>
-                <a:schemeClr val="accent5"/>
-              </a:solidFill>
-              <a:effectLst>
-                <a:outerShdw blurRad="12700" dist="38100" dir="2700000" algn="tl" rotWithShape="0">
-                  <a:schemeClr val="accent5">
-                    <a:lumMod val="60000"/>
-                    <a:lumOff val="40000"/>
-                  </a:schemeClr>
-                </a:outerShdw>
-              </a:effectLst>
-              <a:latin typeface="Verdana" panose="020B0604030504040204" pitchFamily="34" charset="0"/>
-              <a:ea typeface="Verdana" panose="020B0604030504040204" pitchFamily="34" charset="0"/>
-            </a:endParaRPr>
-          </a:p>
-          <a:p>
-            <a:pPr algn="ctr">
-              <a:lnSpc>
-                <a:spcPct val="150000"/>
-              </a:lnSpc>
-            </a:pPr>
-            <a:r>
-              <a:rPr lang="en-US" sz="4800" b="1" dirty="0">
-                <a:ln w="9525">
-                  <a:solidFill>
-                    <a:schemeClr val="bg1"/>
-                  </a:solidFill>
-                  <a:prstDash val="solid"/>
-                </a:ln>
-                <a:solidFill>
-                  <a:schemeClr val="accent5"/>
-                </a:solidFill>
-                <a:effectLst>
-                  <a:outerShdw blurRad="12700" dist="38100" dir="2700000" algn="tl" rotWithShape="0">
-                    <a:schemeClr val="accent5">
-                      <a:lumMod val="60000"/>
-                      <a:lumOff val="40000"/>
-                    </a:schemeClr>
-                  </a:outerShdw>
-                </a:effectLst>
-                <a:latin typeface="Verdana" panose="020B0604030504040204" pitchFamily="34" charset="0"/>
-                <a:ea typeface="Verdana" panose="020B0604030504040204" pitchFamily="34" charset="0"/>
-              </a:rPr>
-              <a:t>Adding </a:t>
-            </a:r>
-            <a:r>
-              <a:rPr lang="en-US" sz="4800" b="1" dirty="0" err="1">
-                <a:ln w="9525">
-                  <a:solidFill>
-                    <a:schemeClr val="bg1"/>
-                  </a:solidFill>
-                  <a:prstDash val="solid"/>
-                </a:ln>
-                <a:solidFill>
-                  <a:schemeClr val="accent5"/>
-                </a:solidFill>
-                <a:effectLst>
-                  <a:outerShdw blurRad="12700" dist="38100" dir="2700000" algn="tl" rotWithShape="0">
-                    <a:schemeClr val="accent5">
-                      <a:lumMod val="60000"/>
-                      <a:lumOff val="40000"/>
-                    </a:schemeClr>
-                  </a:outerShdw>
-                </a:effectLst>
-                <a:latin typeface="Verdana" panose="020B0604030504040204" pitchFamily="34" charset="0"/>
-                <a:ea typeface="Verdana" panose="020B0604030504040204" pitchFamily="34" charset="0"/>
-              </a:rPr>
-              <a:t>RetrieveAll</a:t>
-            </a:r>
-            <a:r>
-              <a:rPr lang="en-US" sz="4800" b="1" dirty="0">
-                <a:ln w="9525">
-                  <a:solidFill>
-                    <a:schemeClr val="bg1"/>
-                  </a:solidFill>
-                  <a:prstDash val="solid"/>
-                </a:ln>
-                <a:solidFill>
-                  <a:schemeClr val="accent5"/>
-                </a:solidFill>
-                <a:effectLst>
-                  <a:outerShdw blurRad="12700" dist="38100" dir="2700000" algn="tl" rotWithShape="0">
-                    <a:schemeClr val="accent5">
-                      <a:lumMod val="60000"/>
-                      <a:lumOff val="40000"/>
-                    </a:schemeClr>
-                  </a:outerShdw>
-                </a:effectLst>
-                <a:latin typeface="Verdana" panose="020B0604030504040204" pitchFamily="34" charset="0"/>
-                <a:ea typeface="Verdana" panose="020B0604030504040204" pitchFamily="34" charset="0"/>
-              </a:rPr>
-              <a:t>() and</a:t>
-            </a:r>
-          </a:p>
-          <a:p>
-            <a:pPr algn="ctr">
-              <a:lnSpc>
-                <a:spcPct val="150000"/>
-              </a:lnSpc>
-            </a:pPr>
-            <a:r>
-              <a:rPr lang="en-US" sz="4800" b="1" dirty="0" err="1">
-                <a:ln w="9525">
-                  <a:solidFill>
-                    <a:schemeClr val="bg1"/>
-                  </a:solidFill>
-                  <a:prstDash val="solid"/>
-                </a:ln>
-                <a:solidFill>
-                  <a:schemeClr val="accent5"/>
-                </a:solidFill>
-                <a:effectLst>
-                  <a:outerShdw blurRad="12700" dist="38100" dir="2700000" algn="tl" rotWithShape="0">
-                    <a:schemeClr val="accent5">
-                      <a:lumMod val="60000"/>
-                      <a:lumOff val="40000"/>
-                    </a:schemeClr>
-                  </a:outerShdw>
-                </a:effectLst>
-                <a:latin typeface="Verdana" panose="020B0604030504040204" pitchFamily="34" charset="0"/>
-                <a:ea typeface="Verdana" panose="020B0604030504040204" pitchFamily="34" charset="0"/>
-              </a:rPr>
-              <a:t>RetrieveById</a:t>
-            </a:r>
-            <a:r>
-              <a:rPr lang="en-US" sz="4800" b="1" dirty="0">
-                <a:ln w="9525">
-                  <a:solidFill>
-                    <a:schemeClr val="bg1"/>
-                  </a:solidFill>
-                  <a:prstDash val="solid"/>
-                </a:ln>
-                <a:solidFill>
-                  <a:schemeClr val="accent5"/>
-                </a:solidFill>
-                <a:effectLst>
-                  <a:outerShdw blurRad="12700" dist="38100" dir="2700000" algn="tl" rotWithShape="0">
-                    <a:schemeClr val="accent5">
-                      <a:lumMod val="60000"/>
-                      <a:lumOff val="40000"/>
-                    </a:schemeClr>
-                  </a:outerShdw>
-                </a:effectLst>
-                <a:latin typeface="Verdana" panose="020B0604030504040204" pitchFamily="34" charset="0"/>
-                <a:ea typeface="Verdana" panose="020B0604030504040204" pitchFamily="34" charset="0"/>
-              </a:rPr>
-              <a:t>() in </a:t>
-            </a:r>
-          </a:p>
-          <a:p>
-            <a:pPr algn="ctr">
-              <a:lnSpc>
-                <a:spcPct val="150000"/>
-              </a:lnSpc>
-            </a:pPr>
-            <a:r>
-              <a:rPr lang="en-US" sz="4800" b="1" dirty="0">
-                <a:ln w="9525">
-                  <a:solidFill>
-                    <a:schemeClr val="bg1"/>
-                  </a:solidFill>
-                  <a:prstDash val="solid"/>
-                </a:ln>
-                <a:solidFill>
-                  <a:schemeClr val="accent5"/>
-                </a:solidFill>
-                <a:effectLst>
-                  <a:outerShdw blurRad="12700" dist="38100" dir="2700000" algn="tl" rotWithShape="0">
-                    <a:schemeClr val="accent5">
-                      <a:lumMod val="60000"/>
-                      <a:lumOff val="40000"/>
-                    </a:schemeClr>
-                  </a:outerShdw>
-                </a:effectLst>
-                <a:latin typeface="Verdana" panose="020B0604030504040204" pitchFamily="34" charset="0"/>
-                <a:ea typeface="Verdana" panose="020B0604030504040204" pitchFamily="34" charset="0"/>
-              </a:rPr>
-              <a:t>gRPC Server</a:t>
-            </a:r>
-          </a:p>
-        </p:txBody>
-      </p:sp>
+      </p:pic>
     </p:spTree>
     <p:extLst>
       <p:ext uri="{BB962C8B-B14F-4D97-AF65-F5344CB8AC3E}">
-        <p14:creationId xmlns:p14="http://schemas.microsoft.com/office/powerpoint/2010/main" val="3983832829"/>
+        <p14:creationId xmlns:p14="http://schemas.microsoft.com/office/powerpoint/2010/main" val="4061412945"/>
       </p:ext>
     </p:extLst>
   </p:cSld>
@@ -11419,7 +10269,7 @@
                 <a:latin typeface="Verdana" panose="020B0604030504040204" pitchFamily="34" charset="0"/>
                 <a:ea typeface="Verdana" panose="020B0604030504040204" pitchFamily="34" charset="0"/>
               </a:rPr>
-              <a:t>Install WSL on Windows 10</a:t>
+              <a:t>Adding gRPC Logging inside Server</a:t>
             </a:r>
             <a:endParaRPr lang="en-IN" b="1" dirty="0">
               <a:latin typeface="Verdana" panose="020B0604030504040204" pitchFamily="34" charset="0"/>
@@ -11514,7 +10364,7 @@
                 <a:latin typeface="Verdana" panose="020B0604030504040204" pitchFamily="34" charset="0"/>
                 <a:ea typeface="Verdana" panose="020B0604030504040204" pitchFamily="34" charset="0"/>
               </a:rPr>
-              <a:t>06-Jun-2020</a:t>
+              <a:t>12-Jun-2020</a:t>
             </a:r>
           </a:p>
         </p:txBody>
@@ -11703,10 +10553,10 @@
       </p:sp>
       <p:pic>
         <p:nvPicPr>
-          <p:cNvPr id="2" name="Picture 1">
-            <a:extLst>
-              <a:ext uri="{FF2B5EF4-FFF2-40B4-BE49-F238E27FC236}">
-                <a16:creationId xmlns:a16="http://schemas.microsoft.com/office/drawing/2014/main" id="{5D4101C8-CA2C-4513-BA20-A2AB11DE391A}"/>
+          <p:cNvPr id="5" name="Picture 4">
+            <a:extLst>
+              <a:ext uri="{FF2B5EF4-FFF2-40B4-BE49-F238E27FC236}">
+                <a16:creationId xmlns:a16="http://schemas.microsoft.com/office/drawing/2014/main" id="{EC2CC9C7-63A9-4816-B2B1-58B85DCCAC36}"/>
               </a:ext>
             </a:extLst>
           </p:cNvPr>
@@ -11723,8 +10573,8 @@
         </p:blipFill>
         <p:spPr>
           <a:xfrm>
-            <a:off x="80629" y="1030933"/>
-            <a:ext cx="12037390" cy="5250965"/>
+            <a:off x="106532" y="550355"/>
+            <a:ext cx="11970058" cy="5624065"/>
           </a:xfrm>
           <a:prstGeom prst="rect">
             <a:avLst/>
@@ -11736,71 +10586,10 @@
           </a:ln>
         </p:spPr>
       </p:pic>
-      <p:sp>
-        <p:nvSpPr>
-          <p:cNvPr id="10" name="TextBox 9">
-            <a:extLst>
-              <a:ext uri="{FF2B5EF4-FFF2-40B4-BE49-F238E27FC236}">
-                <a16:creationId xmlns:a16="http://schemas.microsoft.com/office/drawing/2014/main" id="{25C2594F-FCF8-4800-A7AC-EF269935EFA6}"/>
-              </a:ext>
-            </a:extLst>
-          </p:cNvPr>
-          <p:cNvSpPr txBox="1"/>
-          <p:nvPr/>
-        </p:nvSpPr>
-        <p:spPr>
-          <a:xfrm>
-            <a:off x="80629" y="557824"/>
-            <a:ext cx="12037390" cy="371961"/>
-          </a:xfrm>
-          <a:prstGeom prst="rect">
-            <a:avLst/>
-          </a:prstGeom>
-          <a:noFill/>
-        </p:spPr>
-        <p:txBody>
-          <a:bodyPr wrap="square" rtlCol="0">
-            <a:spAutoFit/>
-          </a:bodyPr>
-          <a:lstStyle/>
-          <a:p>
-            <a:pPr>
-              <a:lnSpc>
-                <a:spcPct val="150000"/>
-              </a:lnSpc>
-            </a:pPr>
-            <a:r>
-              <a:rPr lang="en-US" sz="1400" dirty="0">
-                <a:solidFill>
-                  <a:srgbClr val="002060"/>
-                </a:solidFill>
-                <a:latin typeface="Verdana" panose="020B0604030504040204" pitchFamily="34" charset="0"/>
-                <a:ea typeface="Verdana" panose="020B0604030504040204" pitchFamily="34" charset="0"/>
-              </a:rPr>
-              <a:t>Please refer official documentation for detailed steps. URL: </a:t>
-            </a:r>
-            <a:r>
-              <a:rPr lang="en-IN" sz="1400" dirty="0">
-                <a:latin typeface="Verdana" panose="020B0604030504040204" pitchFamily="34" charset="0"/>
-                <a:ea typeface="Verdana" panose="020B0604030504040204" pitchFamily="34" charset="0"/>
-                <a:hlinkClick r:id="rId3"/>
-              </a:rPr>
-              <a:t>https://docs.microsoft.com/en-us/windows/wsl/install-win10</a:t>
-            </a:r>
-            <a:endParaRPr lang="en-US" sz="1200" dirty="0">
-              <a:solidFill>
-                <a:srgbClr val="002060"/>
-              </a:solidFill>
-              <a:latin typeface="Verdana" panose="020B0604030504040204" pitchFamily="34" charset="0"/>
-              <a:ea typeface="Verdana" panose="020B0604030504040204" pitchFamily="34" charset="0"/>
-            </a:endParaRPr>
-          </a:p>
-        </p:txBody>
-      </p:sp>
     </p:spTree>
     <p:extLst>
       <p:ext uri="{BB962C8B-B14F-4D97-AF65-F5344CB8AC3E}">
-        <p14:creationId xmlns:p14="http://schemas.microsoft.com/office/powerpoint/2010/main" val="2212695004"/>
+        <p14:creationId xmlns:p14="http://schemas.microsoft.com/office/powerpoint/2010/main" val="2191997749"/>
       </p:ext>
     </p:extLst>
   </p:cSld>
@@ -11877,7 +10666,7 @@
                 <a:latin typeface="Verdana" panose="020B0604030504040204" pitchFamily="34" charset="0"/>
                 <a:ea typeface="Verdana" panose="020B0604030504040204" pitchFamily="34" charset="0"/>
               </a:rPr>
-              <a:t>Install WSL on Windows 10</a:t>
+              <a:t>Adding gRPC Logging inside Server</a:t>
             </a:r>
             <a:endParaRPr lang="en-IN" b="1" dirty="0">
               <a:latin typeface="Verdana" panose="020B0604030504040204" pitchFamily="34" charset="0"/>
@@ -11972,7 +10761,7 @@
                 <a:latin typeface="Verdana" panose="020B0604030504040204" pitchFamily="34" charset="0"/>
                 <a:ea typeface="Verdana" panose="020B0604030504040204" pitchFamily="34" charset="0"/>
               </a:rPr>
-              <a:t>06-Jun-2020</a:t>
+              <a:t>12-Jun-2020</a:t>
             </a:r>
           </a:p>
         </p:txBody>
@@ -12173,8 +10962,8 @@
         </p:nvSpPr>
         <p:spPr>
           <a:xfrm>
-            <a:off x="628692" y="588106"/>
-            <a:ext cx="10899138" cy="4959691"/>
+            <a:off x="2177191" y="588106"/>
+            <a:ext cx="7802136" cy="4128694"/>
           </a:xfrm>
           <a:prstGeom prst="rect">
             <a:avLst/>
@@ -12267,85 +11056,7 @@
                 <a:latin typeface="Verdana" panose="020B0604030504040204" pitchFamily="34" charset="0"/>
                 <a:ea typeface="Verdana" panose="020B0604030504040204" pitchFamily="34" charset="0"/>
               </a:rPr>
-              <a:t>Verify the WSL on Windows 10</a:t>
-            </a:r>
-          </a:p>
-          <a:p>
-            <a:pPr marL="742950" lvl="1" indent="-285750">
-              <a:buFont typeface="Wingdings" panose="05000000000000000000" pitchFamily="2" charset="2"/>
-              <a:buChar char="Ø"/>
-            </a:pPr>
-            <a:r>
-              <a:rPr lang="en-US" dirty="0">
-                <a:solidFill>
-                  <a:srgbClr val="002060"/>
-                </a:solidFill>
-                <a:latin typeface="Verdana" panose="020B0604030504040204" pitchFamily="34" charset="0"/>
-                <a:ea typeface="Verdana" panose="020B0604030504040204" pitchFamily="34" charset="0"/>
-              </a:rPr>
-              <a:t>hostname</a:t>
-            </a:r>
-          </a:p>
-          <a:p>
-            <a:pPr marL="742950" lvl="1" indent="-285750">
-              <a:buFont typeface="Wingdings" panose="05000000000000000000" pitchFamily="2" charset="2"/>
-              <a:buChar char="Ø"/>
-            </a:pPr>
-            <a:r>
-              <a:rPr lang="en-US" dirty="0" err="1">
-                <a:solidFill>
-                  <a:srgbClr val="002060"/>
-                </a:solidFill>
-                <a:latin typeface="Verdana" panose="020B0604030504040204" pitchFamily="34" charset="0"/>
-                <a:ea typeface="Verdana" panose="020B0604030504040204" pitchFamily="34" charset="0"/>
-              </a:rPr>
-              <a:t>lsb_release</a:t>
-            </a:r>
-            <a:r>
-              <a:rPr lang="en-US" dirty="0">
-                <a:solidFill>
-                  <a:srgbClr val="002060"/>
-                </a:solidFill>
-                <a:latin typeface="Verdana" panose="020B0604030504040204" pitchFamily="34" charset="0"/>
-                <a:ea typeface="Verdana" panose="020B0604030504040204" pitchFamily="34" charset="0"/>
-              </a:rPr>
-              <a:t> -a</a:t>
-            </a:r>
-          </a:p>
-          <a:p>
-            <a:pPr marL="742950" lvl="1" indent="-285750">
-              <a:buFont typeface="Wingdings" panose="05000000000000000000" pitchFamily="2" charset="2"/>
-              <a:buChar char="Ø"/>
-            </a:pPr>
-            <a:r>
-              <a:rPr lang="en-US" dirty="0">
-                <a:solidFill>
-                  <a:srgbClr val="002060"/>
-                </a:solidFill>
-                <a:latin typeface="Verdana" panose="020B0604030504040204" pitchFamily="34" charset="0"/>
-                <a:ea typeface="Verdana" panose="020B0604030504040204" pitchFamily="34" charset="0"/>
-              </a:rPr>
-              <a:t>cat /</a:t>
-            </a:r>
-            <a:r>
-              <a:rPr lang="en-US" dirty="0" err="1">
-                <a:solidFill>
-                  <a:srgbClr val="002060"/>
-                </a:solidFill>
-                <a:latin typeface="Verdana" panose="020B0604030504040204" pitchFamily="34" charset="0"/>
-                <a:ea typeface="Verdana" panose="020B0604030504040204" pitchFamily="34" charset="0"/>
-              </a:rPr>
-              <a:t>etc</a:t>
-            </a:r>
-            <a:r>
-              <a:rPr lang="en-US" dirty="0">
-                <a:solidFill>
-                  <a:srgbClr val="002060"/>
-                </a:solidFill>
-                <a:latin typeface="Verdana" panose="020B0604030504040204" pitchFamily="34" charset="0"/>
-                <a:ea typeface="Verdana" panose="020B0604030504040204" pitchFamily="34" charset="0"/>
-              </a:rPr>
-              <a:t>/*-release</a:t>
+              <a:t>Adding gRPC Logging </a:t>
             </a:r>
           </a:p>
           <a:p>
@@ -12354,34 +11065,37 @@
                 <a:spcPct val="150000"/>
               </a:lnSpc>
             </a:pPr>
-            <a:endParaRPr lang="en-US" sz="4800" b="1" dirty="0">
-              <a:ln w="9525">
-                <a:solidFill>
-                  <a:schemeClr val="bg1"/>
-                </a:solidFill>
-                <a:prstDash val="solid"/>
-              </a:ln>
-              <a:solidFill>
-                <a:schemeClr val="accent5"/>
-              </a:solidFill>
-              <a:effectLst>
-                <a:outerShdw blurRad="12700" dist="38100" dir="2700000" algn="tl" rotWithShape="0">
-                  <a:schemeClr val="accent5">
-                    <a:lumMod val="60000"/>
-                    <a:lumOff val="40000"/>
-                  </a:schemeClr>
-                </a:outerShdw>
-              </a:effectLst>
-              <a:latin typeface="Verdana" panose="020B0604030504040204" pitchFamily="34" charset="0"/>
-              <a:ea typeface="Verdana" panose="020B0604030504040204" pitchFamily="34" charset="0"/>
-            </a:endParaRPr>
+            <a:r>
+              <a:rPr lang="en-US" sz="4800" b="1" dirty="0">
+                <a:ln w="9525">
+                  <a:solidFill>
+                    <a:schemeClr val="bg1"/>
+                  </a:solidFill>
+                  <a:prstDash val="solid"/>
+                </a:ln>
+                <a:solidFill>
+                  <a:schemeClr val="accent5"/>
+                </a:solidFill>
+                <a:effectLst>
+                  <a:outerShdw blurRad="12700" dist="38100" dir="2700000" algn="tl" rotWithShape="0">
+                    <a:schemeClr val="accent5">
+                      <a:lumMod val="60000"/>
+                      <a:lumOff val="40000"/>
+                    </a:schemeClr>
+                  </a:outerShdw>
+                </a:effectLst>
+                <a:latin typeface="Verdana" panose="020B0604030504040204" pitchFamily="34" charset="0"/>
+                <a:ea typeface="Verdana" panose="020B0604030504040204" pitchFamily="34" charset="0"/>
+              </a:rPr>
+              <a:t>inside Server</a:t>
+            </a:r>
           </a:p>
         </p:txBody>
       </p:sp>
     </p:spTree>
     <p:extLst>
       <p:ext uri="{BB962C8B-B14F-4D97-AF65-F5344CB8AC3E}">
-        <p14:creationId xmlns:p14="http://schemas.microsoft.com/office/powerpoint/2010/main" val="1007071421"/>
+        <p14:creationId xmlns:p14="http://schemas.microsoft.com/office/powerpoint/2010/main" val="3983832829"/>
       </p:ext>
     </p:extLst>
   </p:cSld>
